--- a/unsorted/ps dev training/source ppt slides/Riak 202c - Read Repair.pptx
+++ b/unsorted/ps dev training/source ppt slides/Riak 202c - Read Repair.pptx
@@ -11,7 +11,7 @@
     <p:sldId id="396" r:id="rId2"/>
     <p:sldId id="308" r:id="rId3"/>
     <p:sldId id="327" r:id="rId4"/>
-    <p:sldId id="359" r:id="rId5"/>
+    <p:sldId id="411" r:id="rId5"/>
     <p:sldId id="404" r:id="rId6"/>
     <p:sldId id="381" r:id="rId7"/>
     <p:sldId id="383" r:id="rId8"/>
@@ -1033,13 +1033,8 @@
           <a:p>
             <a:r>
               <a:rPr lang="en-US" baseline="0" dirty="0" smtClean="0"/>
-              <a:t>-</a:t>
+              <a:t>-- let’s say LWW / timestamp</a:t>
             </a:r>
-            <a:r>
-              <a:rPr lang="en-US" baseline="0" dirty="0" smtClean="0"/>
-              <a:t>- let’s say LWW / timestamp</a:t>
-            </a:r>
-            <a:endParaRPr lang="en-US" baseline="0" dirty="0" smtClean="0"/>
           </a:p>
         </p:txBody>
       </p:sp>
@@ -1168,7 +1163,6 @@
               <a:rPr lang="en-US" baseline="0" dirty="0" smtClean="0"/>
               <a:t>- Read repair</a:t>
             </a:r>
-            <a:endParaRPr lang="en-US" baseline="0" dirty="0" smtClean="0"/>
           </a:p>
         </p:txBody>
       </p:sp>
@@ -7441,7 +7435,23 @@
                 <a:cs typeface="Franklin Gothic Medium"/>
                 <a:sym typeface="Gill Sans" charset="0"/>
               </a:rPr>
-              <a:t>what did I get for</a:t>
+              <a:t>what did I </a:t>
+            </a:r>
+            <a:r>
+              <a:rPr kumimoji="0" lang="en-US" sz="2000" b="0" i="0" u="none" strike="noStrike" cap="none" normalizeH="0" baseline="0" dirty="0" smtClean="0">
+                <a:ln>
+                  <a:noFill/>
+                </a:ln>
+                <a:solidFill>
+                  <a:srgbClr val="000000"/>
+                </a:solidFill>
+                <a:effectLst/>
+                <a:latin typeface="Franklin Gothic Medium"/>
+                <a:ea typeface="ヒラギノ角ゴ ProN W3" charset="0"/>
+                <a:cs typeface="Franklin Gothic Medium"/>
+                <a:sym typeface="Gill Sans" charset="0"/>
+              </a:rPr>
+              <a:t>store</a:t>
             </a:r>
             <a:r>
               <a:rPr kumimoji="0" lang="en-US" sz="2000" b="0" i="0" u="none" strike="noStrike" cap="none" normalizeH="0" dirty="0" smtClean="0">
@@ -7457,7 +7467,7 @@
                 <a:cs typeface="Franklin Gothic Medium"/>
                 <a:sym typeface="Gill Sans" charset="0"/>
               </a:rPr>
-              <a:t> Casey?</a:t>
+              <a:t>?</a:t>
             </a:r>
             <a:endParaRPr kumimoji="0" lang="en-US" sz="2000" b="0" i="0" u="none" strike="noStrike" cap="none" normalizeH="0" baseline="0" dirty="0" smtClean="0">
               <a:ln>
@@ -9869,376 +9879,6 @@
           </a:p>
         </p:txBody>
       </p:sp>
-      <p:pic>
-        <p:nvPicPr>
-          <p:cNvPr id="22" name="Picture 21"/>
-          <p:cNvPicPr>
-            <a:picLocks noChangeAspect="1"/>
-          </p:cNvPicPr>
-          <p:nvPr/>
-        </p:nvPicPr>
-        <p:blipFill>
-          <a:blip r:embed="rId4" cstate="screen">
-            <a:extLst>
-              <a:ext uri="{28A0092B-C50C-407E-A947-70E740481C1C}">
-                <a14:useLocalDpi xmlns:a14="http://schemas.microsoft.com/office/drawing/2010/main"/>
-              </a:ext>
-            </a:extLst>
-          </a:blip>
-          <a:stretch>
-            <a:fillRect/>
-          </a:stretch>
-        </p:blipFill>
-        <p:spPr>
-          <a:xfrm>
-            <a:off x="678723" y="501322"/>
-            <a:ext cx="1464246" cy="2051062"/>
-          </a:xfrm>
-          <a:prstGeom prst="rect">
-            <a:avLst/>
-          </a:prstGeom>
-        </p:spPr>
-      </p:pic>
-      <p:pic>
-        <p:nvPicPr>
-          <p:cNvPr id="24" name="Picture 23"/>
-          <p:cNvPicPr>
-            <a:picLocks noChangeAspect="1"/>
-          </p:cNvPicPr>
-          <p:nvPr/>
-        </p:nvPicPr>
-        <p:blipFill>
-          <a:blip r:embed="rId4" cstate="screen">
-            <a:extLst>
-              <a:ext uri="{28A0092B-C50C-407E-A947-70E740481C1C}">
-                <a14:useLocalDpi xmlns:a14="http://schemas.microsoft.com/office/drawing/2010/main"/>
-              </a:ext>
-            </a:extLst>
-          </a:blip>
-          <a:stretch>
-            <a:fillRect/>
-          </a:stretch>
-        </p:blipFill>
-        <p:spPr>
-          <a:xfrm>
-            <a:off x="678723" y="3893530"/>
-            <a:ext cx="1464246" cy="2051062"/>
-          </a:xfrm>
-          <a:prstGeom prst="rect">
-            <a:avLst/>
-          </a:prstGeom>
-        </p:spPr>
-      </p:pic>
-      <p:pic>
-        <p:nvPicPr>
-          <p:cNvPr id="27" name="Picture 26"/>
-          <p:cNvPicPr>
-            <a:picLocks noChangeAspect="1"/>
-          </p:cNvPicPr>
-          <p:nvPr/>
-        </p:nvPicPr>
-        <p:blipFill>
-          <a:blip r:embed="rId4" cstate="screen">
-            <a:extLst>
-              <a:ext uri="{28A0092B-C50C-407E-A947-70E740481C1C}">
-                <a14:useLocalDpi xmlns:a14="http://schemas.microsoft.com/office/drawing/2010/main"/>
-              </a:ext>
-            </a:extLst>
-          </a:blip>
-          <a:stretch>
-            <a:fillRect/>
-          </a:stretch>
-        </p:blipFill>
-        <p:spPr>
-          <a:xfrm>
-            <a:off x="6983529" y="501322"/>
-            <a:ext cx="1464246" cy="2051062"/>
-          </a:xfrm>
-          <a:prstGeom prst="rect">
-            <a:avLst/>
-          </a:prstGeom>
-        </p:spPr>
-      </p:pic>
-      <p:pic>
-        <p:nvPicPr>
-          <p:cNvPr id="28" name="Picture 27"/>
-          <p:cNvPicPr>
-            <a:picLocks noChangeAspect="1"/>
-          </p:cNvPicPr>
-          <p:nvPr/>
-        </p:nvPicPr>
-        <p:blipFill>
-          <a:blip r:embed="rId4" cstate="screen">
-            <a:extLst>
-              <a:ext uri="{28A0092B-C50C-407E-A947-70E740481C1C}">
-                <a14:useLocalDpi xmlns:a14="http://schemas.microsoft.com/office/drawing/2010/main"/>
-              </a:ext>
-            </a:extLst>
-          </a:blip>
-          <a:stretch>
-            <a:fillRect/>
-          </a:stretch>
-        </p:blipFill>
-        <p:spPr>
-          <a:xfrm>
-            <a:off x="6983529" y="3893530"/>
-            <a:ext cx="1464246" cy="2051062"/>
-          </a:xfrm>
-          <a:prstGeom prst="rect">
-            <a:avLst/>
-          </a:prstGeom>
-        </p:spPr>
-      </p:pic>
-      <p:pic>
-        <p:nvPicPr>
-          <p:cNvPr id="26" name="Content Placeholder 6"/>
-          <p:cNvPicPr>
-            <a:picLocks noChangeAspect="1"/>
-          </p:cNvPicPr>
-          <p:nvPr/>
-        </p:nvPicPr>
-        <p:blipFill>
-          <a:blip r:embed="rId3" cstate="screen">
-            <a:duotone>
-              <a:prstClr val="black"/>
-              <a:srgbClr val="FF0C00">
-                <a:tint val="45000"/>
-                <a:satMod val="400000"/>
-              </a:srgbClr>
-            </a:duotone>
-            <a:extLst>
-              <a:ext uri="{28A0092B-C50C-407E-A947-70E740481C1C}">
-                <a14:useLocalDpi xmlns:a14="http://schemas.microsoft.com/office/drawing/2010/main"/>
-              </a:ext>
-            </a:extLst>
-          </a:blip>
-          <a:srcRect l="-57666" r="-57666"/>
-          <a:stretch>
-            <a:fillRect/>
-          </a:stretch>
-        </p:blipFill>
-        <p:spPr bwMode="auto">
-          <a:xfrm flipH="1">
-            <a:off x="190853" y="1978307"/>
-            <a:ext cx="1755335" cy="815180"/>
-          </a:xfrm>
-          <a:prstGeom prst="rect">
-            <a:avLst/>
-          </a:prstGeom>
-          <a:noFill/>
-          <a:ln>
-            <a:noFill/>
-          </a:ln>
-          <a:effectLst/>
-          <a:extLst/>
-        </p:spPr>
-      </p:pic>
-      <p:pic>
-        <p:nvPicPr>
-          <p:cNvPr id="29" name="Content Placeholder 6"/>
-          <p:cNvPicPr>
-            <a:picLocks noChangeAspect="1"/>
-          </p:cNvPicPr>
-          <p:nvPr/>
-        </p:nvPicPr>
-        <p:blipFill>
-          <a:blip r:embed="rId3" cstate="screen">
-            <a:duotone>
-              <a:prstClr val="black"/>
-              <a:srgbClr val="37FF00">
-                <a:tint val="45000"/>
-                <a:satMod val="400000"/>
-              </a:srgbClr>
-            </a:duotone>
-            <a:extLst>
-              <a:ext uri="{28A0092B-C50C-407E-A947-70E740481C1C}">
-                <a14:useLocalDpi xmlns:a14="http://schemas.microsoft.com/office/drawing/2010/main"/>
-              </a:ext>
-            </a:extLst>
-          </a:blip>
-          <a:srcRect l="-57666" r="-57666"/>
-          <a:stretch>
-            <a:fillRect/>
-          </a:stretch>
-        </p:blipFill>
-        <p:spPr bwMode="auto">
-          <a:xfrm flipH="1">
-            <a:off x="7210901" y="1951375"/>
-            <a:ext cx="1755335" cy="815180"/>
-          </a:xfrm>
-          <a:prstGeom prst="rect">
-            <a:avLst/>
-          </a:prstGeom>
-          <a:noFill/>
-          <a:ln>
-            <a:noFill/>
-          </a:ln>
-          <a:effectLst/>
-          <a:extLst>
-            <a:ext uri="{909E8E84-426E-40dd-AFC4-6F175D3DCCD1}">
-              <a14:hiddenFill xmlns:a14="http://schemas.microsoft.com/office/drawing/2010/main">
-                <a:solidFill>
-                  <a:srgbClr val="FFFFFF"/>
-                </a:solidFill>
-              </a14:hiddenFill>
-            </a:ext>
-            <a:ext uri="{91240B29-F687-4f45-9708-019B960494DF}">
-              <a14:hiddenLine xmlns:a14="http://schemas.microsoft.com/office/drawing/2010/main" w="9525">
-                <a:solidFill>
-                  <a:schemeClr val="tx1"/>
-                </a:solidFill>
-                <a:miter lim="800000"/>
-                <a:headEnd/>
-                <a:tailEnd/>
-              </a14:hiddenLine>
-            </a:ext>
-            <a:ext uri="{AF507438-7753-43e0-B8FC-AC1667EBCBE1}">
-              <a14:hiddenEffects xmlns:a14="http://schemas.microsoft.com/office/drawing/2010/main">
-                <a:effectLst>
-                  <a:outerShdw dist="35921" dir="2700000" algn="ctr" rotWithShape="0">
-                    <a:srgbClr val="808080"/>
-                  </a:outerShdw>
-                </a:effectLst>
-              </a14:hiddenEffects>
-            </a:ext>
-          </a:extLst>
-        </p:spPr>
-      </p:pic>
-      <p:pic>
-        <p:nvPicPr>
-          <p:cNvPr id="30" name="Content Placeholder 6"/>
-          <p:cNvPicPr>
-            <a:picLocks noChangeAspect="1"/>
-          </p:cNvPicPr>
-          <p:nvPr/>
-        </p:nvPicPr>
-        <p:blipFill>
-          <a:blip r:embed="rId3" cstate="screen">
-            <a:duotone>
-              <a:prstClr val="black"/>
-              <a:srgbClr val="4C00FF">
-                <a:tint val="45000"/>
-                <a:satMod val="400000"/>
-              </a:srgbClr>
-            </a:duotone>
-            <a:extLst>
-              <a:ext uri="{28A0092B-C50C-407E-A947-70E740481C1C}">
-                <a14:useLocalDpi xmlns:a14="http://schemas.microsoft.com/office/drawing/2010/main"/>
-              </a:ext>
-            </a:extLst>
-          </a:blip>
-          <a:srcRect l="-57666" r="-57666"/>
-          <a:stretch>
-            <a:fillRect/>
-          </a:stretch>
-        </p:blipFill>
-        <p:spPr bwMode="auto">
-          <a:xfrm flipH="1">
-            <a:off x="7171712" y="5372171"/>
-            <a:ext cx="1755335" cy="815180"/>
-          </a:xfrm>
-          <a:prstGeom prst="rect">
-            <a:avLst/>
-          </a:prstGeom>
-          <a:noFill/>
-          <a:ln>
-            <a:noFill/>
-          </a:ln>
-          <a:effectLst/>
-          <a:extLst>
-            <a:ext uri="{909E8E84-426E-40dd-AFC4-6F175D3DCCD1}">
-              <a14:hiddenFill xmlns:a14="http://schemas.microsoft.com/office/drawing/2010/main">
-                <a:solidFill>
-                  <a:srgbClr val="FFFFFF"/>
-                </a:solidFill>
-              </a14:hiddenFill>
-            </a:ext>
-            <a:ext uri="{91240B29-F687-4f45-9708-019B960494DF}">
-              <a14:hiddenLine xmlns:a14="http://schemas.microsoft.com/office/drawing/2010/main" w="9525">
-                <a:solidFill>
-                  <a:schemeClr val="tx1"/>
-                </a:solidFill>
-                <a:miter lim="800000"/>
-                <a:headEnd/>
-                <a:tailEnd/>
-              </a14:hiddenLine>
-            </a:ext>
-            <a:ext uri="{AF507438-7753-43e0-B8FC-AC1667EBCBE1}">
-              <a14:hiddenEffects xmlns:a14="http://schemas.microsoft.com/office/drawing/2010/main">
-                <a:effectLst>
-                  <a:outerShdw dist="35921" dir="2700000" algn="ctr" rotWithShape="0">
-                    <a:srgbClr val="808080"/>
-                  </a:outerShdw>
-                </a:effectLst>
-              </a14:hiddenEffects>
-            </a:ext>
-          </a:extLst>
-        </p:spPr>
-      </p:pic>
-      <p:pic>
-        <p:nvPicPr>
-          <p:cNvPr id="31" name="Content Placeholder 6"/>
-          <p:cNvPicPr>
-            <a:picLocks noChangeAspect="1"/>
-          </p:cNvPicPr>
-          <p:nvPr/>
-        </p:nvPicPr>
-        <p:blipFill>
-          <a:blip r:embed="rId3" cstate="screen">
-            <a:extLst>
-              <a:ext uri="{28A0092B-C50C-407E-A947-70E740481C1C}">
-                <a14:useLocalDpi xmlns:a14="http://schemas.microsoft.com/office/drawing/2010/main"/>
-              </a:ext>
-            </a:extLst>
-          </a:blip>
-          <a:srcRect l="-57666" r="-57666"/>
-          <a:stretch>
-            <a:fillRect/>
-          </a:stretch>
-        </p:blipFill>
-        <p:spPr bwMode="auto">
-          <a:xfrm flipH="1">
-            <a:off x="117357" y="5372823"/>
-            <a:ext cx="1755335" cy="815180"/>
-          </a:xfrm>
-          <a:prstGeom prst="rect">
-            <a:avLst/>
-          </a:prstGeom>
-          <a:noFill/>
-          <a:ln>
-            <a:noFill/>
-          </a:ln>
-          <a:effectLst/>
-          <a:extLst>
-            <a:ext uri="{909E8E84-426E-40dd-AFC4-6F175D3DCCD1}">
-              <a14:hiddenFill xmlns:a14="http://schemas.microsoft.com/office/drawing/2010/main">
-                <a:solidFill>
-                  <a:srgbClr val="FFFFFF"/>
-                </a:solidFill>
-              </a14:hiddenFill>
-            </a:ext>
-            <a:ext uri="{91240B29-F687-4f45-9708-019B960494DF}">
-              <a14:hiddenLine xmlns:a14="http://schemas.microsoft.com/office/drawing/2010/main" w="9525">
-                <a:solidFill>
-                  <a:schemeClr val="tx1"/>
-                </a:solidFill>
-                <a:miter lim="800000"/>
-                <a:headEnd/>
-                <a:tailEnd/>
-              </a14:hiddenLine>
-            </a:ext>
-            <a:ext uri="{AF507438-7753-43e0-B8FC-AC1667EBCBE1}">
-              <a14:hiddenEffects xmlns:a14="http://schemas.microsoft.com/office/drawing/2010/main">
-                <a:effectLst>
-                  <a:outerShdw dist="35921" dir="2700000" algn="ctr" rotWithShape="0">
-                    <a:srgbClr val="808080"/>
-                  </a:outerShdw>
-                </a:effectLst>
-              </a14:hiddenEffects>
-            </a:ext>
-          </a:extLst>
-        </p:spPr>
-      </p:pic>
       <p:cxnSp>
         <p:nvCxnSpPr>
           <p:cNvPr id="10" name="Straight Arrow Connector 9"/>
@@ -10368,7 +10008,7 @@
           <p:nvPr/>
         </p:nvPicPr>
         <p:blipFill>
-          <a:blip r:embed="rId5" cstate="screen">
+          <a:blip r:embed="rId4" cstate="screen">
             <a:extLst>
               <a:ext uri="{28A0092B-C50C-407E-A947-70E740481C1C}">
                 <a14:useLocalDpi xmlns:a14="http://schemas.microsoft.com/office/drawing/2010/main"/>
@@ -10381,18 +10021,1378 @@
         </p:blipFill>
         <p:spPr>
           <a:xfrm>
-            <a:off x="3560566" y="1769519"/>
-            <a:ext cx="1130836" cy="2261672"/>
+            <a:off x="3548471" y="2313805"/>
+            <a:ext cx="832765" cy="1665529"/>
           </a:xfrm>
           <a:prstGeom prst="rect">
             <a:avLst/>
           </a:prstGeom>
         </p:spPr>
       </p:pic>
+      <p:grpSp>
+        <p:nvGrpSpPr>
+          <p:cNvPr id="2" name="Group 1"/>
+          <p:cNvGrpSpPr/>
+          <p:nvPr/>
+        </p:nvGrpSpPr>
+        <p:grpSpPr>
+          <a:xfrm>
+            <a:off x="-168508" y="157238"/>
+            <a:ext cx="2137613" cy="2291647"/>
+            <a:chOff x="472540" y="501322"/>
+            <a:chExt cx="2599484" cy="2786799"/>
+          </a:xfrm>
+        </p:grpSpPr>
+        <p:pic>
+          <p:nvPicPr>
+            <p:cNvPr id="33" name="Picture 32"/>
+            <p:cNvPicPr>
+              <a:picLocks noChangeAspect="1"/>
+            </p:cNvPicPr>
+            <p:nvPr/>
+          </p:nvPicPr>
+          <p:blipFill>
+            <a:blip r:embed="rId5" cstate="screen">
+              <a:extLst>
+                <a:ext uri="{28A0092B-C50C-407E-A947-70E740481C1C}">
+                  <a14:useLocalDpi xmlns:a14="http://schemas.microsoft.com/office/drawing/2010/main"/>
+                </a:ext>
+              </a:extLst>
+            </a:blip>
+            <a:stretch>
+              <a:fillRect/>
+            </a:stretch>
+          </p:blipFill>
+          <p:spPr>
+            <a:xfrm>
+              <a:off x="1028553" y="501322"/>
+              <a:ext cx="1464246" cy="2051062"/>
+            </a:xfrm>
+            <a:prstGeom prst="rect">
+              <a:avLst/>
+            </a:prstGeom>
+          </p:spPr>
+        </p:pic>
+        <p:pic>
+          <p:nvPicPr>
+            <p:cNvPr id="34" name="Content Placeholder 6"/>
+            <p:cNvPicPr>
+              <a:picLocks noChangeAspect="1"/>
+            </p:cNvPicPr>
+            <p:nvPr/>
+          </p:nvPicPr>
+          <p:blipFill>
+            <a:blip r:embed="rId3" cstate="screen">
+              <a:duotone>
+                <a:prstClr val="black"/>
+                <a:srgbClr val="FF0C00">
+                  <a:tint val="45000"/>
+                  <a:satMod val="400000"/>
+                </a:srgbClr>
+              </a:duotone>
+              <a:extLst>
+                <a:ext uri="{28A0092B-C50C-407E-A947-70E740481C1C}">
+                  <a14:useLocalDpi xmlns:a14="http://schemas.microsoft.com/office/drawing/2010/main"/>
+                </a:ext>
+              </a:extLst>
+            </a:blip>
+            <a:srcRect l="-57666" r="-57666"/>
+            <a:stretch>
+              <a:fillRect/>
+            </a:stretch>
+          </p:blipFill>
+          <p:spPr bwMode="auto">
+            <a:xfrm flipH="1">
+              <a:off x="548288" y="1978307"/>
+              <a:ext cx="1755335" cy="815180"/>
+            </a:xfrm>
+            <a:prstGeom prst="rect">
+              <a:avLst/>
+            </a:prstGeom>
+            <a:noFill/>
+            <a:ln>
+              <a:noFill/>
+            </a:ln>
+            <a:effectLst/>
+            <a:extLst/>
+          </p:spPr>
+        </p:pic>
+        <p:pic>
+          <p:nvPicPr>
+            <p:cNvPr id="36" name="Content Placeholder 6"/>
+            <p:cNvPicPr>
+              <a:picLocks noChangeAspect="1"/>
+            </p:cNvPicPr>
+            <p:nvPr/>
+          </p:nvPicPr>
+          <p:blipFill>
+            <a:blip r:embed="rId3" cstate="screen">
+              <a:duotone>
+                <a:prstClr val="black"/>
+                <a:srgbClr val="FF0C00">
+                  <a:tint val="45000"/>
+                  <a:satMod val="400000"/>
+                </a:srgbClr>
+              </a:duotone>
+              <a:extLst>
+                <a:ext uri="{28A0092B-C50C-407E-A947-70E740481C1C}">
+                  <a14:useLocalDpi xmlns:a14="http://schemas.microsoft.com/office/drawing/2010/main"/>
+                </a:ext>
+              </a:extLst>
+            </a:blip>
+            <a:srcRect l="-57666" r="-57666"/>
+            <a:stretch>
+              <a:fillRect/>
+            </a:stretch>
+          </p:blipFill>
+          <p:spPr bwMode="auto">
+            <a:xfrm flipH="1">
+              <a:off x="1316689" y="2039446"/>
+              <a:ext cx="1755335" cy="815180"/>
+            </a:xfrm>
+            <a:prstGeom prst="rect">
+              <a:avLst/>
+            </a:prstGeom>
+            <a:noFill/>
+            <a:ln>
+              <a:noFill/>
+            </a:ln>
+            <a:effectLst/>
+            <a:extLst/>
+          </p:spPr>
+        </p:pic>
+        <p:pic>
+          <p:nvPicPr>
+            <p:cNvPr id="38" name="Content Placeholder 6"/>
+            <p:cNvPicPr>
+              <a:picLocks noChangeAspect="1"/>
+            </p:cNvPicPr>
+            <p:nvPr/>
+          </p:nvPicPr>
+          <p:blipFill>
+            <a:blip r:embed="rId3" cstate="screen">
+              <a:duotone>
+                <a:prstClr val="black"/>
+                <a:srgbClr val="FF0C00">
+                  <a:tint val="45000"/>
+                  <a:satMod val="400000"/>
+                </a:srgbClr>
+              </a:duotone>
+              <a:extLst>
+                <a:ext uri="{28A0092B-C50C-407E-A947-70E740481C1C}">
+                  <a14:useLocalDpi xmlns:a14="http://schemas.microsoft.com/office/drawing/2010/main"/>
+                </a:ext>
+              </a:extLst>
+            </a:blip>
+            <a:srcRect l="-57666" r="-57666"/>
+            <a:stretch>
+              <a:fillRect/>
+            </a:stretch>
+          </p:blipFill>
+          <p:spPr bwMode="auto">
+            <a:xfrm flipH="1">
+              <a:off x="472540" y="2358863"/>
+              <a:ext cx="1755335" cy="815180"/>
+            </a:xfrm>
+            <a:prstGeom prst="rect">
+              <a:avLst/>
+            </a:prstGeom>
+            <a:noFill/>
+            <a:ln>
+              <a:noFill/>
+            </a:ln>
+            <a:effectLst/>
+            <a:extLst/>
+          </p:spPr>
+        </p:pic>
+        <p:pic>
+          <p:nvPicPr>
+            <p:cNvPr id="39" name="Content Placeholder 6"/>
+            <p:cNvPicPr>
+              <a:picLocks noChangeAspect="1"/>
+            </p:cNvPicPr>
+            <p:nvPr/>
+          </p:nvPicPr>
+          <p:blipFill>
+            <a:blip r:embed="rId3" cstate="screen">
+              <a:duotone>
+                <a:prstClr val="black"/>
+                <a:srgbClr val="FF0C00">
+                  <a:tint val="45000"/>
+                  <a:satMod val="400000"/>
+                </a:srgbClr>
+              </a:duotone>
+              <a:extLst>
+                <a:ext uri="{28A0092B-C50C-407E-A947-70E740481C1C}">
+                  <a14:useLocalDpi xmlns:a14="http://schemas.microsoft.com/office/drawing/2010/main"/>
+                </a:ext>
+              </a:extLst>
+            </a:blip>
+            <a:srcRect l="-57666" r="-57666"/>
+            <a:stretch>
+              <a:fillRect/>
+            </a:stretch>
+          </p:blipFill>
+          <p:spPr bwMode="auto">
+            <a:xfrm flipH="1">
+              <a:off x="1210219" y="2472941"/>
+              <a:ext cx="1755335" cy="815180"/>
+            </a:xfrm>
+            <a:prstGeom prst="rect">
+              <a:avLst/>
+            </a:prstGeom>
+            <a:noFill/>
+            <a:ln>
+              <a:noFill/>
+            </a:ln>
+            <a:effectLst/>
+            <a:extLst/>
+          </p:spPr>
+        </p:pic>
+      </p:grpSp>
+      <p:sp>
+        <p:nvSpPr>
+          <p:cNvPr id="3" name="TextBox 2"/>
+          <p:cNvSpPr txBox="1"/>
+          <p:nvPr/>
+        </p:nvSpPr>
+        <p:spPr>
+          <a:xfrm>
+            <a:off x="348643" y="2406953"/>
+            <a:ext cx="1108146" cy="400110"/>
+          </a:xfrm>
+          <a:prstGeom prst="rect">
+            <a:avLst/>
+          </a:prstGeom>
+          <a:noFill/>
+        </p:spPr>
+        <p:txBody>
+          <a:bodyPr wrap="none" rtlCol="0">
+            <a:spAutoFit/>
+          </a:bodyPr>
+          <a:lstStyle/>
+          <a:p>
+            <a:r>
+              <a:rPr lang="en-US" sz="2000" dirty="0" smtClean="0">
+                <a:latin typeface="Courier"/>
+                <a:cs typeface="Courier"/>
+              </a:rPr>
+              <a:t>Node 1</a:t>
+            </a:r>
+            <a:endParaRPr lang="en-US" sz="2000" dirty="0">
+              <a:latin typeface="Courier"/>
+              <a:cs typeface="Courier"/>
+            </a:endParaRPr>
+          </a:p>
+        </p:txBody>
+      </p:sp>
+      <p:grpSp>
+        <p:nvGrpSpPr>
+          <p:cNvPr id="40" name="Group 39"/>
+          <p:cNvGrpSpPr/>
+          <p:nvPr/>
+        </p:nvGrpSpPr>
+        <p:grpSpPr>
+          <a:xfrm>
+            <a:off x="6999974" y="138466"/>
+            <a:ext cx="2007082" cy="1941915"/>
+            <a:chOff x="5766259" y="501322"/>
+            <a:chExt cx="2868206" cy="2775079"/>
+          </a:xfrm>
+        </p:grpSpPr>
+        <p:pic>
+          <p:nvPicPr>
+            <p:cNvPr id="41" name="Picture 40"/>
+            <p:cNvPicPr>
+              <a:picLocks noChangeAspect="1"/>
+            </p:cNvPicPr>
+            <p:nvPr/>
+          </p:nvPicPr>
+          <p:blipFill>
+            <a:blip r:embed="rId5" cstate="screen">
+              <a:extLst>
+                <a:ext uri="{28A0092B-C50C-407E-A947-70E740481C1C}">
+                  <a14:useLocalDpi xmlns:a14="http://schemas.microsoft.com/office/drawing/2010/main"/>
+                </a:ext>
+              </a:extLst>
+            </a:blip>
+            <a:stretch>
+              <a:fillRect/>
+            </a:stretch>
+          </p:blipFill>
+          <p:spPr>
+            <a:xfrm>
+              <a:off x="6473994" y="501322"/>
+              <a:ext cx="1464246" cy="2051062"/>
+            </a:xfrm>
+            <a:prstGeom prst="rect">
+              <a:avLst/>
+            </a:prstGeom>
+          </p:spPr>
+        </p:pic>
+        <p:pic>
+          <p:nvPicPr>
+            <p:cNvPr id="42" name="Content Placeholder 6"/>
+            <p:cNvPicPr>
+              <a:picLocks noChangeAspect="1"/>
+            </p:cNvPicPr>
+            <p:nvPr/>
+          </p:nvPicPr>
+          <p:blipFill>
+            <a:blip r:embed="rId3" cstate="screen">
+              <a:duotone>
+                <a:prstClr val="black"/>
+                <a:srgbClr val="37FF00">
+                  <a:tint val="45000"/>
+                  <a:satMod val="400000"/>
+                </a:srgbClr>
+              </a:duotone>
+              <a:extLst>
+                <a:ext uri="{28A0092B-C50C-407E-A947-70E740481C1C}">
+                  <a14:useLocalDpi xmlns:a14="http://schemas.microsoft.com/office/drawing/2010/main"/>
+                </a:ext>
+              </a:extLst>
+            </a:blip>
+            <a:srcRect l="-57666" r="-57666"/>
+            <a:stretch>
+              <a:fillRect/>
+            </a:stretch>
+          </p:blipFill>
+          <p:spPr bwMode="auto">
+            <a:xfrm flipH="1">
+              <a:off x="6701366" y="1951375"/>
+              <a:ext cx="1755335" cy="815180"/>
+            </a:xfrm>
+            <a:prstGeom prst="rect">
+              <a:avLst/>
+            </a:prstGeom>
+            <a:noFill/>
+            <a:ln>
+              <a:noFill/>
+            </a:ln>
+            <a:effectLst/>
+            <a:extLst>
+              <a:ext uri="{909E8E84-426E-40dd-AFC4-6F175D3DCCD1}">
+                <a14:hiddenFill xmlns:a14="http://schemas.microsoft.com/office/drawing/2010/main">
+                  <a:solidFill>
+                    <a:srgbClr val="FFFFFF"/>
+                  </a:solidFill>
+                </a14:hiddenFill>
+              </a:ext>
+              <a:ext uri="{91240B29-F687-4f45-9708-019B960494DF}">
+                <a14:hiddenLine xmlns:a14="http://schemas.microsoft.com/office/drawing/2010/main" w="9525">
+                  <a:solidFill>
+                    <a:schemeClr val="tx1"/>
+                  </a:solidFill>
+                  <a:miter lim="800000"/>
+                  <a:headEnd/>
+                  <a:tailEnd/>
+                </a14:hiddenLine>
+              </a:ext>
+              <a:ext uri="{AF507438-7753-43e0-B8FC-AC1667EBCBE1}">
+                <a14:hiddenEffects xmlns:a14="http://schemas.microsoft.com/office/drawing/2010/main">
+                  <a:effectLst>
+                    <a:outerShdw dist="35921" dir="2700000" algn="ctr" rotWithShape="0">
+                      <a:srgbClr val="808080"/>
+                    </a:outerShdw>
+                  </a:effectLst>
+                </a14:hiddenEffects>
+              </a:ext>
+            </a:extLst>
+          </p:spPr>
+        </p:pic>
+        <p:pic>
+          <p:nvPicPr>
+            <p:cNvPr id="43" name="Content Placeholder 6"/>
+            <p:cNvPicPr>
+              <a:picLocks noChangeAspect="1"/>
+            </p:cNvPicPr>
+            <p:nvPr/>
+          </p:nvPicPr>
+          <p:blipFill>
+            <a:blip r:embed="rId3" cstate="screen">
+              <a:duotone>
+                <a:prstClr val="black"/>
+                <a:srgbClr val="37FF00">
+                  <a:tint val="45000"/>
+                  <a:satMod val="400000"/>
+                </a:srgbClr>
+              </a:duotone>
+              <a:extLst>
+                <a:ext uri="{28A0092B-C50C-407E-A947-70E740481C1C}">
+                  <a14:useLocalDpi xmlns:a14="http://schemas.microsoft.com/office/drawing/2010/main"/>
+                </a:ext>
+              </a:extLst>
+            </a:blip>
+            <a:srcRect l="-57666" r="-57666"/>
+            <a:stretch>
+              <a:fillRect/>
+            </a:stretch>
+          </p:blipFill>
+          <p:spPr bwMode="auto">
+            <a:xfrm flipH="1">
+              <a:off x="5766259" y="1989697"/>
+              <a:ext cx="1755335" cy="815180"/>
+            </a:xfrm>
+            <a:prstGeom prst="rect">
+              <a:avLst/>
+            </a:prstGeom>
+            <a:noFill/>
+            <a:ln>
+              <a:noFill/>
+            </a:ln>
+            <a:effectLst/>
+            <a:extLst>
+              <a:ext uri="{909E8E84-426E-40dd-AFC4-6F175D3DCCD1}">
+                <a14:hiddenFill xmlns:a14="http://schemas.microsoft.com/office/drawing/2010/main">
+                  <a:solidFill>
+                    <a:srgbClr val="FFFFFF"/>
+                  </a:solidFill>
+                </a14:hiddenFill>
+              </a:ext>
+              <a:ext uri="{91240B29-F687-4f45-9708-019B960494DF}">
+                <a14:hiddenLine xmlns:a14="http://schemas.microsoft.com/office/drawing/2010/main" w="9525">
+                  <a:solidFill>
+                    <a:schemeClr val="tx1"/>
+                  </a:solidFill>
+                  <a:miter lim="800000"/>
+                  <a:headEnd/>
+                  <a:tailEnd/>
+                </a14:hiddenLine>
+              </a:ext>
+              <a:ext uri="{AF507438-7753-43e0-B8FC-AC1667EBCBE1}">
+                <a14:hiddenEffects xmlns:a14="http://schemas.microsoft.com/office/drawing/2010/main">
+                  <a:effectLst>
+                    <a:outerShdw dist="35921" dir="2700000" algn="ctr" rotWithShape="0">
+                      <a:srgbClr val="808080"/>
+                    </a:outerShdw>
+                  </a:effectLst>
+                </a14:hiddenEffects>
+              </a:ext>
+            </a:extLst>
+          </p:spPr>
+        </p:pic>
+        <p:pic>
+          <p:nvPicPr>
+            <p:cNvPr id="44" name="Content Placeholder 6"/>
+            <p:cNvPicPr>
+              <a:picLocks noChangeAspect="1"/>
+            </p:cNvPicPr>
+            <p:nvPr/>
+          </p:nvPicPr>
+          <p:blipFill>
+            <a:blip r:embed="rId3" cstate="screen">
+              <a:duotone>
+                <a:prstClr val="black"/>
+                <a:srgbClr val="37FF00">
+                  <a:tint val="45000"/>
+                  <a:satMod val="400000"/>
+                </a:srgbClr>
+              </a:duotone>
+              <a:extLst>
+                <a:ext uri="{28A0092B-C50C-407E-A947-70E740481C1C}">
+                  <a14:useLocalDpi xmlns:a14="http://schemas.microsoft.com/office/drawing/2010/main"/>
+                </a:ext>
+              </a:extLst>
+            </a:blip>
+            <a:srcRect l="-57666" r="-57666"/>
+            <a:stretch>
+              <a:fillRect/>
+            </a:stretch>
+          </p:blipFill>
+          <p:spPr bwMode="auto">
+            <a:xfrm flipH="1">
+              <a:off x="6009616" y="2446010"/>
+              <a:ext cx="1755335" cy="815180"/>
+            </a:xfrm>
+            <a:prstGeom prst="rect">
+              <a:avLst/>
+            </a:prstGeom>
+            <a:noFill/>
+            <a:ln>
+              <a:noFill/>
+            </a:ln>
+            <a:effectLst/>
+            <a:extLst>
+              <a:ext uri="{909E8E84-426E-40dd-AFC4-6F175D3DCCD1}">
+                <a14:hiddenFill xmlns:a14="http://schemas.microsoft.com/office/drawing/2010/main">
+                  <a:solidFill>
+                    <a:srgbClr val="FFFFFF"/>
+                  </a:solidFill>
+                </a14:hiddenFill>
+              </a:ext>
+              <a:ext uri="{91240B29-F687-4f45-9708-019B960494DF}">
+                <a14:hiddenLine xmlns:a14="http://schemas.microsoft.com/office/drawing/2010/main" w="9525">
+                  <a:solidFill>
+                    <a:schemeClr val="tx1"/>
+                  </a:solidFill>
+                  <a:miter lim="800000"/>
+                  <a:headEnd/>
+                  <a:tailEnd/>
+                </a14:hiddenLine>
+              </a:ext>
+              <a:ext uri="{AF507438-7753-43e0-B8FC-AC1667EBCBE1}">
+                <a14:hiddenEffects xmlns:a14="http://schemas.microsoft.com/office/drawing/2010/main">
+                  <a:effectLst>
+                    <a:outerShdw dist="35921" dir="2700000" algn="ctr" rotWithShape="0">
+                      <a:srgbClr val="808080"/>
+                    </a:outerShdw>
+                  </a:effectLst>
+                </a14:hiddenEffects>
+              </a:ext>
+            </a:extLst>
+          </p:spPr>
+        </p:pic>
+        <p:pic>
+          <p:nvPicPr>
+            <p:cNvPr id="45" name="Content Placeholder 6"/>
+            <p:cNvPicPr>
+              <a:picLocks noChangeAspect="1"/>
+            </p:cNvPicPr>
+            <p:nvPr/>
+          </p:nvPicPr>
+          <p:blipFill>
+            <a:blip r:embed="rId3" cstate="screen">
+              <a:duotone>
+                <a:prstClr val="black"/>
+                <a:srgbClr val="37FF00">
+                  <a:tint val="45000"/>
+                  <a:satMod val="400000"/>
+                </a:srgbClr>
+              </a:duotone>
+              <a:extLst>
+                <a:ext uri="{28A0092B-C50C-407E-A947-70E740481C1C}">
+                  <a14:useLocalDpi xmlns:a14="http://schemas.microsoft.com/office/drawing/2010/main"/>
+                </a:ext>
+              </a:extLst>
+            </a:blip>
+            <a:srcRect l="-57666" r="-57666"/>
+            <a:stretch>
+              <a:fillRect/>
+            </a:stretch>
+          </p:blipFill>
+          <p:spPr bwMode="auto">
+            <a:xfrm flipH="1">
+              <a:off x="6879130" y="2461221"/>
+              <a:ext cx="1755335" cy="815180"/>
+            </a:xfrm>
+            <a:prstGeom prst="rect">
+              <a:avLst/>
+            </a:prstGeom>
+            <a:noFill/>
+            <a:ln>
+              <a:noFill/>
+            </a:ln>
+            <a:effectLst/>
+            <a:extLst>
+              <a:ext uri="{909E8E84-426E-40dd-AFC4-6F175D3DCCD1}">
+                <a14:hiddenFill xmlns:a14="http://schemas.microsoft.com/office/drawing/2010/main">
+                  <a:solidFill>
+                    <a:srgbClr val="FFFFFF"/>
+                  </a:solidFill>
+                </a14:hiddenFill>
+              </a:ext>
+              <a:ext uri="{91240B29-F687-4f45-9708-019B960494DF}">
+                <a14:hiddenLine xmlns:a14="http://schemas.microsoft.com/office/drawing/2010/main" w="9525">
+                  <a:solidFill>
+                    <a:schemeClr val="tx1"/>
+                  </a:solidFill>
+                  <a:miter lim="800000"/>
+                  <a:headEnd/>
+                  <a:tailEnd/>
+                </a14:hiddenLine>
+              </a:ext>
+              <a:ext uri="{AF507438-7753-43e0-B8FC-AC1667EBCBE1}">
+                <a14:hiddenEffects xmlns:a14="http://schemas.microsoft.com/office/drawing/2010/main">
+                  <a:effectLst>
+                    <a:outerShdw dist="35921" dir="2700000" algn="ctr" rotWithShape="0">
+                      <a:srgbClr val="808080"/>
+                    </a:outerShdw>
+                  </a:effectLst>
+                </a14:hiddenEffects>
+              </a:ext>
+            </a:extLst>
+          </p:spPr>
+        </p:pic>
+      </p:grpSp>
+      <p:sp>
+        <p:nvSpPr>
+          <p:cNvPr id="47" name="TextBox 46"/>
+          <p:cNvSpPr txBox="1"/>
+          <p:nvPr/>
+        </p:nvSpPr>
+        <p:spPr>
+          <a:xfrm>
+            <a:off x="7540472" y="2111829"/>
+            <a:ext cx="1108146" cy="400110"/>
+          </a:xfrm>
+          <a:prstGeom prst="rect">
+            <a:avLst/>
+          </a:prstGeom>
+          <a:noFill/>
+        </p:spPr>
+        <p:txBody>
+          <a:bodyPr wrap="none" rtlCol="0">
+            <a:spAutoFit/>
+          </a:bodyPr>
+          <a:lstStyle/>
+          <a:p>
+            <a:r>
+              <a:rPr lang="en-US" sz="2000" dirty="0" smtClean="0">
+                <a:latin typeface="Courier"/>
+                <a:cs typeface="Courier"/>
+              </a:rPr>
+              <a:t>Node 2</a:t>
+            </a:r>
+            <a:endParaRPr lang="en-US" sz="2000" dirty="0">
+              <a:latin typeface="Courier"/>
+              <a:cs typeface="Courier"/>
+            </a:endParaRPr>
+          </a:p>
+        </p:txBody>
+      </p:sp>
+      <p:grpSp>
+        <p:nvGrpSpPr>
+          <p:cNvPr id="48" name="Group 47"/>
+          <p:cNvGrpSpPr/>
+          <p:nvPr/>
+        </p:nvGrpSpPr>
+        <p:grpSpPr>
+          <a:xfrm>
+            <a:off x="0" y="3420359"/>
+            <a:ext cx="2484051" cy="2246403"/>
+            <a:chOff x="467187" y="3650170"/>
+            <a:chExt cx="2949613" cy="2667424"/>
+          </a:xfrm>
+        </p:grpSpPr>
+        <p:pic>
+          <p:nvPicPr>
+            <p:cNvPr id="55" name="Picture 54"/>
+            <p:cNvPicPr>
+              <a:picLocks noChangeAspect="1"/>
+            </p:cNvPicPr>
+            <p:nvPr/>
+          </p:nvPicPr>
+          <p:blipFill>
+            <a:blip r:embed="rId5" cstate="screen">
+              <a:extLst>
+                <a:ext uri="{28A0092B-C50C-407E-A947-70E740481C1C}">
+                  <a14:useLocalDpi xmlns:a14="http://schemas.microsoft.com/office/drawing/2010/main"/>
+                </a:ext>
+              </a:extLst>
+            </a:blip>
+            <a:stretch>
+              <a:fillRect/>
+            </a:stretch>
+          </p:blipFill>
+          <p:spPr>
+            <a:xfrm>
+              <a:off x="1028553" y="3650170"/>
+              <a:ext cx="1464246" cy="2051062"/>
+            </a:xfrm>
+            <a:prstGeom prst="rect">
+              <a:avLst/>
+            </a:prstGeom>
+          </p:spPr>
+        </p:pic>
+        <p:pic>
+          <p:nvPicPr>
+            <p:cNvPr id="66" name="Content Placeholder 6"/>
+            <p:cNvPicPr>
+              <a:picLocks noChangeAspect="1"/>
+            </p:cNvPicPr>
+            <p:nvPr/>
+          </p:nvPicPr>
+          <p:blipFill>
+            <a:blip r:embed="rId3" cstate="screen">
+              <a:extLst>
+                <a:ext uri="{28A0092B-C50C-407E-A947-70E740481C1C}">
+                  <a14:useLocalDpi xmlns:a14="http://schemas.microsoft.com/office/drawing/2010/main"/>
+                </a:ext>
+              </a:extLst>
+            </a:blip>
+            <a:srcRect l="-57666" r="-57666"/>
+            <a:stretch>
+              <a:fillRect/>
+            </a:stretch>
+          </p:blipFill>
+          <p:spPr bwMode="auto">
+            <a:xfrm flipH="1">
+              <a:off x="467187" y="5129463"/>
+              <a:ext cx="1755335" cy="815180"/>
+            </a:xfrm>
+            <a:prstGeom prst="rect">
+              <a:avLst/>
+            </a:prstGeom>
+            <a:noFill/>
+            <a:ln>
+              <a:noFill/>
+            </a:ln>
+            <a:effectLst/>
+            <a:extLst>
+              <a:ext uri="{909E8E84-426E-40dd-AFC4-6F175D3DCCD1}">
+                <a14:hiddenFill xmlns:a14="http://schemas.microsoft.com/office/drawing/2010/main">
+                  <a:solidFill>
+                    <a:srgbClr val="FFFFFF"/>
+                  </a:solidFill>
+                </a14:hiddenFill>
+              </a:ext>
+              <a:ext uri="{91240B29-F687-4f45-9708-019B960494DF}">
+                <a14:hiddenLine xmlns:a14="http://schemas.microsoft.com/office/drawing/2010/main" w="9525">
+                  <a:solidFill>
+                    <a:schemeClr val="tx1"/>
+                  </a:solidFill>
+                  <a:miter lim="800000"/>
+                  <a:headEnd/>
+                  <a:tailEnd/>
+                </a14:hiddenLine>
+              </a:ext>
+              <a:ext uri="{AF507438-7753-43e0-B8FC-AC1667EBCBE1}">
+                <a14:hiddenEffects xmlns:a14="http://schemas.microsoft.com/office/drawing/2010/main">
+                  <a:effectLst>
+                    <a:outerShdw dist="35921" dir="2700000" algn="ctr" rotWithShape="0">
+                      <a:srgbClr val="808080"/>
+                    </a:outerShdw>
+                  </a:effectLst>
+                </a14:hiddenEffects>
+              </a:ext>
+            </a:extLst>
+          </p:spPr>
+        </p:pic>
+        <p:pic>
+          <p:nvPicPr>
+            <p:cNvPr id="67" name="Content Placeholder 6"/>
+            <p:cNvPicPr>
+              <a:picLocks noChangeAspect="1"/>
+            </p:cNvPicPr>
+            <p:nvPr/>
+          </p:nvPicPr>
+          <p:blipFill>
+            <a:blip r:embed="rId3" cstate="screen">
+              <a:extLst>
+                <a:ext uri="{28A0092B-C50C-407E-A947-70E740481C1C}">
+                  <a14:useLocalDpi xmlns:a14="http://schemas.microsoft.com/office/drawing/2010/main"/>
+                </a:ext>
+              </a:extLst>
+            </a:blip>
+            <a:srcRect l="-57666" r="-57666"/>
+            <a:stretch>
+              <a:fillRect/>
+            </a:stretch>
+          </p:blipFill>
+          <p:spPr bwMode="auto">
+            <a:xfrm flipH="1">
+              <a:off x="1326848" y="5160180"/>
+              <a:ext cx="1755335" cy="815180"/>
+            </a:xfrm>
+            <a:prstGeom prst="rect">
+              <a:avLst/>
+            </a:prstGeom>
+            <a:noFill/>
+            <a:ln>
+              <a:noFill/>
+            </a:ln>
+            <a:effectLst/>
+            <a:extLst>
+              <a:ext uri="{909E8E84-426E-40dd-AFC4-6F175D3DCCD1}">
+                <a14:hiddenFill xmlns:a14="http://schemas.microsoft.com/office/drawing/2010/main">
+                  <a:solidFill>
+                    <a:srgbClr val="FFFFFF"/>
+                  </a:solidFill>
+                </a14:hiddenFill>
+              </a:ext>
+              <a:ext uri="{91240B29-F687-4f45-9708-019B960494DF}">
+                <a14:hiddenLine xmlns:a14="http://schemas.microsoft.com/office/drawing/2010/main" w="9525">
+                  <a:solidFill>
+                    <a:schemeClr val="tx1"/>
+                  </a:solidFill>
+                  <a:miter lim="800000"/>
+                  <a:headEnd/>
+                  <a:tailEnd/>
+                </a14:hiddenLine>
+              </a:ext>
+              <a:ext uri="{AF507438-7753-43e0-B8FC-AC1667EBCBE1}">
+                <a14:hiddenEffects xmlns:a14="http://schemas.microsoft.com/office/drawing/2010/main">
+                  <a:effectLst>
+                    <a:outerShdw dist="35921" dir="2700000" algn="ctr" rotWithShape="0">
+                      <a:srgbClr val="808080"/>
+                    </a:outerShdw>
+                  </a:effectLst>
+                </a14:hiddenEffects>
+              </a:ext>
+            </a:extLst>
+          </p:spPr>
+        </p:pic>
+        <p:pic>
+          <p:nvPicPr>
+            <p:cNvPr id="68" name="Content Placeholder 6"/>
+            <p:cNvPicPr>
+              <a:picLocks noChangeAspect="1"/>
+            </p:cNvPicPr>
+            <p:nvPr/>
+          </p:nvPicPr>
+          <p:blipFill>
+            <a:blip r:embed="rId3" cstate="screen">
+              <a:extLst>
+                <a:ext uri="{28A0092B-C50C-407E-A947-70E740481C1C}">
+                  <a14:useLocalDpi xmlns:a14="http://schemas.microsoft.com/office/drawing/2010/main"/>
+                </a:ext>
+              </a:extLst>
+            </a:blip>
+            <a:srcRect l="-57666" r="-57666"/>
+            <a:stretch>
+              <a:fillRect/>
+            </a:stretch>
+          </p:blipFill>
+          <p:spPr bwMode="auto">
+            <a:xfrm flipH="1">
+              <a:off x="779291" y="5487204"/>
+              <a:ext cx="1755335" cy="815180"/>
+            </a:xfrm>
+            <a:prstGeom prst="rect">
+              <a:avLst/>
+            </a:prstGeom>
+            <a:noFill/>
+            <a:ln>
+              <a:noFill/>
+            </a:ln>
+            <a:effectLst/>
+            <a:extLst>
+              <a:ext uri="{909E8E84-426E-40dd-AFC4-6F175D3DCCD1}">
+                <a14:hiddenFill xmlns:a14="http://schemas.microsoft.com/office/drawing/2010/main">
+                  <a:solidFill>
+                    <a:srgbClr val="FFFFFF"/>
+                  </a:solidFill>
+                </a14:hiddenFill>
+              </a:ext>
+              <a:ext uri="{91240B29-F687-4f45-9708-019B960494DF}">
+                <a14:hiddenLine xmlns:a14="http://schemas.microsoft.com/office/drawing/2010/main" w="9525">
+                  <a:solidFill>
+                    <a:schemeClr val="tx1"/>
+                  </a:solidFill>
+                  <a:miter lim="800000"/>
+                  <a:headEnd/>
+                  <a:tailEnd/>
+                </a14:hiddenLine>
+              </a:ext>
+              <a:ext uri="{AF507438-7753-43e0-B8FC-AC1667EBCBE1}">
+                <a14:hiddenEffects xmlns:a14="http://schemas.microsoft.com/office/drawing/2010/main">
+                  <a:effectLst>
+                    <a:outerShdw dist="35921" dir="2700000" algn="ctr" rotWithShape="0">
+                      <a:srgbClr val="808080"/>
+                    </a:outerShdw>
+                  </a:effectLst>
+                </a14:hiddenEffects>
+              </a:ext>
+            </a:extLst>
+          </p:spPr>
+        </p:pic>
+        <p:pic>
+          <p:nvPicPr>
+            <p:cNvPr id="69" name="Content Placeholder 6"/>
+            <p:cNvPicPr>
+              <a:picLocks noChangeAspect="1"/>
+            </p:cNvPicPr>
+            <p:nvPr/>
+          </p:nvPicPr>
+          <p:blipFill>
+            <a:blip r:embed="rId3" cstate="screen">
+              <a:extLst>
+                <a:ext uri="{28A0092B-C50C-407E-A947-70E740481C1C}">
+                  <a14:useLocalDpi xmlns:a14="http://schemas.microsoft.com/office/drawing/2010/main"/>
+                </a:ext>
+              </a:extLst>
+            </a:blip>
+            <a:srcRect l="-57666" r="-57666"/>
+            <a:stretch>
+              <a:fillRect/>
+            </a:stretch>
+          </p:blipFill>
+          <p:spPr bwMode="auto">
+            <a:xfrm flipH="1">
+              <a:off x="1661465" y="5502414"/>
+              <a:ext cx="1755335" cy="815180"/>
+            </a:xfrm>
+            <a:prstGeom prst="rect">
+              <a:avLst/>
+            </a:prstGeom>
+            <a:noFill/>
+            <a:ln>
+              <a:noFill/>
+            </a:ln>
+            <a:effectLst/>
+            <a:extLst>
+              <a:ext uri="{909E8E84-426E-40dd-AFC4-6F175D3DCCD1}">
+                <a14:hiddenFill xmlns:a14="http://schemas.microsoft.com/office/drawing/2010/main">
+                  <a:solidFill>
+                    <a:srgbClr val="FFFFFF"/>
+                  </a:solidFill>
+                </a14:hiddenFill>
+              </a:ext>
+              <a:ext uri="{91240B29-F687-4f45-9708-019B960494DF}">
+                <a14:hiddenLine xmlns:a14="http://schemas.microsoft.com/office/drawing/2010/main" w="9525">
+                  <a:solidFill>
+                    <a:schemeClr val="tx1"/>
+                  </a:solidFill>
+                  <a:miter lim="800000"/>
+                  <a:headEnd/>
+                  <a:tailEnd/>
+                </a14:hiddenLine>
+              </a:ext>
+              <a:ext uri="{AF507438-7753-43e0-B8FC-AC1667EBCBE1}">
+                <a14:hiddenEffects xmlns:a14="http://schemas.microsoft.com/office/drawing/2010/main">
+                  <a:effectLst>
+                    <a:outerShdw dist="35921" dir="2700000" algn="ctr" rotWithShape="0">
+                      <a:srgbClr val="808080"/>
+                    </a:outerShdw>
+                  </a:effectLst>
+                </a14:hiddenEffects>
+              </a:ext>
+            </a:extLst>
+          </p:spPr>
+        </p:pic>
+      </p:grpSp>
+      <p:sp>
+        <p:nvSpPr>
+          <p:cNvPr id="70" name="TextBox 69"/>
+          <p:cNvSpPr txBox="1"/>
+          <p:nvPr/>
+        </p:nvSpPr>
+        <p:spPr>
+          <a:xfrm>
+            <a:off x="730852" y="5667829"/>
+            <a:ext cx="1108146" cy="400110"/>
+          </a:xfrm>
+          <a:prstGeom prst="rect">
+            <a:avLst/>
+          </a:prstGeom>
+          <a:noFill/>
+        </p:spPr>
+        <p:txBody>
+          <a:bodyPr wrap="none" rtlCol="0">
+            <a:spAutoFit/>
+          </a:bodyPr>
+          <a:lstStyle/>
+          <a:p>
+            <a:r>
+              <a:rPr lang="en-US" sz="2000" dirty="0" smtClean="0">
+                <a:latin typeface="Courier"/>
+                <a:cs typeface="Courier"/>
+              </a:rPr>
+              <a:t>Node 3</a:t>
+            </a:r>
+            <a:endParaRPr lang="en-US" sz="2000" dirty="0">
+              <a:latin typeface="Courier"/>
+              <a:cs typeface="Courier"/>
+            </a:endParaRPr>
+          </a:p>
+        </p:txBody>
+      </p:sp>
+      <p:grpSp>
+        <p:nvGrpSpPr>
+          <p:cNvPr id="71" name="Group 70"/>
+          <p:cNvGrpSpPr/>
+          <p:nvPr/>
+        </p:nvGrpSpPr>
+        <p:grpSpPr>
+          <a:xfrm>
+            <a:off x="6881114" y="3517122"/>
+            <a:ext cx="2262886" cy="2082973"/>
+            <a:chOff x="5734675" y="3650170"/>
+            <a:chExt cx="2979730" cy="2742824"/>
+          </a:xfrm>
+        </p:grpSpPr>
+        <p:pic>
+          <p:nvPicPr>
+            <p:cNvPr id="72" name="Picture 71"/>
+            <p:cNvPicPr>
+              <a:picLocks noChangeAspect="1"/>
+            </p:cNvPicPr>
+            <p:nvPr/>
+          </p:nvPicPr>
+          <p:blipFill>
+            <a:blip r:embed="rId5" cstate="screen">
+              <a:extLst>
+                <a:ext uri="{28A0092B-C50C-407E-A947-70E740481C1C}">
+                  <a14:useLocalDpi xmlns:a14="http://schemas.microsoft.com/office/drawing/2010/main"/>
+                </a:ext>
+              </a:extLst>
+            </a:blip>
+            <a:stretch>
+              <a:fillRect/>
+            </a:stretch>
+          </p:blipFill>
+          <p:spPr>
+            <a:xfrm>
+              <a:off x="6473994" y="3650170"/>
+              <a:ext cx="1464246" cy="2051062"/>
+            </a:xfrm>
+            <a:prstGeom prst="rect">
+              <a:avLst/>
+            </a:prstGeom>
+          </p:spPr>
+        </p:pic>
+        <p:pic>
+          <p:nvPicPr>
+            <p:cNvPr id="73" name="Content Placeholder 6"/>
+            <p:cNvPicPr>
+              <a:picLocks noChangeAspect="1"/>
+            </p:cNvPicPr>
+            <p:nvPr/>
+          </p:nvPicPr>
+          <p:blipFill>
+            <a:blip r:embed="rId3" cstate="screen">
+              <a:duotone>
+                <a:prstClr val="black"/>
+                <a:srgbClr val="4C00FF">
+                  <a:tint val="45000"/>
+                  <a:satMod val="400000"/>
+                </a:srgbClr>
+              </a:duotone>
+              <a:extLst>
+                <a:ext uri="{28A0092B-C50C-407E-A947-70E740481C1C}">
+                  <a14:useLocalDpi xmlns:a14="http://schemas.microsoft.com/office/drawing/2010/main"/>
+                </a:ext>
+              </a:extLst>
+            </a:blip>
+            <a:srcRect l="-57666" r="-57666"/>
+            <a:stretch>
+              <a:fillRect/>
+            </a:stretch>
+          </p:blipFill>
+          <p:spPr bwMode="auto">
+            <a:xfrm flipH="1">
+              <a:off x="6662177" y="5128811"/>
+              <a:ext cx="1755335" cy="815180"/>
+            </a:xfrm>
+            <a:prstGeom prst="rect">
+              <a:avLst/>
+            </a:prstGeom>
+            <a:noFill/>
+            <a:ln>
+              <a:noFill/>
+            </a:ln>
+            <a:effectLst/>
+            <a:extLst>
+              <a:ext uri="{909E8E84-426E-40dd-AFC4-6F175D3DCCD1}">
+                <a14:hiddenFill xmlns:a14="http://schemas.microsoft.com/office/drawing/2010/main">
+                  <a:solidFill>
+                    <a:srgbClr val="FFFFFF"/>
+                  </a:solidFill>
+                </a14:hiddenFill>
+              </a:ext>
+              <a:ext uri="{91240B29-F687-4f45-9708-019B960494DF}">
+                <a14:hiddenLine xmlns:a14="http://schemas.microsoft.com/office/drawing/2010/main" w="9525">
+                  <a:solidFill>
+                    <a:schemeClr val="tx1"/>
+                  </a:solidFill>
+                  <a:miter lim="800000"/>
+                  <a:headEnd/>
+                  <a:tailEnd/>
+                </a14:hiddenLine>
+              </a:ext>
+              <a:ext uri="{AF507438-7753-43e0-B8FC-AC1667EBCBE1}">
+                <a14:hiddenEffects xmlns:a14="http://schemas.microsoft.com/office/drawing/2010/main">
+                  <a:effectLst>
+                    <a:outerShdw dist="35921" dir="2700000" algn="ctr" rotWithShape="0">
+                      <a:srgbClr val="808080"/>
+                    </a:outerShdw>
+                  </a:effectLst>
+                </a14:hiddenEffects>
+              </a:ext>
+            </a:extLst>
+          </p:spPr>
+        </p:pic>
+        <p:pic>
+          <p:nvPicPr>
+            <p:cNvPr id="74" name="Content Placeholder 6"/>
+            <p:cNvPicPr>
+              <a:picLocks noChangeAspect="1"/>
+            </p:cNvPicPr>
+            <p:nvPr/>
+          </p:nvPicPr>
+          <p:blipFill>
+            <a:blip r:embed="rId3" cstate="screen">
+              <a:duotone>
+                <a:prstClr val="black"/>
+                <a:srgbClr val="4C00FF">
+                  <a:tint val="45000"/>
+                  <a:satMod val="400000"/>
+                </a:srgbClr>
+              </a:duotone>
+              <a:extLst>
+                <a:ext uri="{28A0092B-C50C-407E-A947-70E740481C1C}">
+                  <a14:useLocalDpi xmlns:a14="http://schemas.microsoft.com/office/drawing/2010/main"/>
+                </a:ext>
+              </a:extLst>
+            </a:blip>
+            <a:srcRect l="-57666" r="-57666"/>
+            <a:stretch>
+              <a:fillRect/>
+            </a:stretch>
+          </p:blipFill>
+          <p:spPr bwMode="auto">
+            <a:xfrm flipH="1">
+              <a:off x="5734675" y="5098686"/>
+              <a:ext cx="1755335" cy="815180"/>
+            </a:xfrm>
+            <a:prstGeom prst="rect">
+              <a:avLst/>
+            </a:prstGeom>
+            <a:noFill/>
+            <a:ln>
+              <a:noFill/>
+            </a:ln>
+            <a:effectLst/>
+            <a:extLst>
+              <a:ext uri="{909E8E84-426E-40dd-AFC4-6F175D3DCCD1}">
+                <a14:hiddenFill xmlns:a14="http://schemas.microsoft.com/office/drawing/2010/main">
+                  <a:solidFill>
+                    <a:srgbClr val="FFFFFF"/>
+                  </a:solidFill>
+                </a14:hiddenFill>
+              </a:ext>
+              <a:ext uri="{91240B29-F687-4f45-9708-019B960494DF}">
+                <a14:hiddenLine xmlns:a14="http://schemas.microsoft.com/office/drawing/2010/main" w="9525">
+                  <a:solidFill>
+                    <a:schemeClr val="tx1"/>
+                  </a:solidFill>
+                  <a:miter lim="800000"/>
+                  <a:headEnd/>
+                  <a:tailEnd/>
+                </a14:hiddenLine>
+              </a:ext>
+              <a:ext uri="{AF507438-7753-43e0-B8FC-AC1667EBCBE1}">
+                <a14:hiddenEffects xmlns:a14="http://schemas.microsoft.com/office/drawing/2010/main">
+                  <a:effectLst>
+                    <a:outerShdw dist="35921" dir="2700000" algn="ctr" rotWithShape="0">
+                      <a:srgbClr val="808080"/>
+                    </a:outerShdw>
+                  </a:effectLst>
+                </a14:hiddenEffects>
+              </a:ext>
+            </a:extLst>
+          </p:spPr>
+        </p:pic>
+        <p:pic>
+          <p:nvPicPr>
+            <p:cNvPr id="75" name="Content Placeholder 6"/>
+            <p:cNvPicPr>
+              <a:picLocks noChangeAspect="1"/>
+            </p:cNvPicPr>
+            <p:nvPr/>
+          </p:nvPicPr>
+          <p:blipFill>
+            <a:blip r:embed="rId3" cstate="screen">
+              <a:duotone>
+                <a:prstClr val="black"/>
+                <a:srgbClr val="4C00FF">
+                  <a:tint val="45000"/>
+                  <a:satMod val="400000"/>
+                </a:srgbClr>
+              </a:duotone>
+              <a:extLst>
+                <a:ext uri="{28A0092B-C50C-407E-A947-70E740481C1C}">
+                  <a14:useLocalDpi xmlns:a14="http://schemas.microsoft.com/office/drawing/2010/main"/>
+                </a:ext>
+              </a:extLst>
+            </a:blip>
+            <a:srcRect l="-57666" r="-57666"/>
+            <a:stretch>
+              <a:fillRect/>
+            </a:stretch>
+          </p:blipFill>
+          <p:spPr bwMode="auto">
+            <a:xfrm flipH="1">
+              <a:off x="5879168" y="5516973"/>
+              <a:ext cx="1755335" cy="815180"/>
+            </a:xfrm>
+            <a:prstGeom prst="rect">
+              <a:avLst/>
+            </a:prstGeom>
+            <a:noFill/>
+            <a:ln>
+              <a:noFill/>
+            </a:ln>
+            <a:effectLst/>
+            <a:extLst>
+              <a:ext uri="{909E8E84-426E-40dd-AFC4-6F175D3DCCD1}">
+                <a14:hiddenFill xmlns:a14="http://schemas.microsoft.com/office/drawing/2010/main">
+                  <a:solidFill>
+                    <a:srgbClr val="FFFFFF"/>
+                  </a:solidFill>
+                </a14:hiddenFill>
+              </a:ext>
+              <a:ext uri="{91240B29-F687-4f45-9708-019B960494DF}">
+                <a14:hiddenLine xmlns:a14="http://schemas.microsoft.com/office/drawing/2010/main" w="9525">
+                  <a:solidFill>
+                    <a:schemeClr val="tx1"/>
+                  </a:solidFill>
+                  <a:miter lim="800000"/>
+                  <a:headEnd/>
+                  <a:tailEnd/>
+                </a14:hiddenLine>
+              </a:ext>
+              <a:ext uri="{AF507438-7753-43e0-B8FC-AC1667EBCBE1}">
+                <a14:hiddenEffects xmlns:a14="http://schemas.microsoft.com/office/drawing/2010/main">
+                  <a:effectLst>
+                    <a:outerShdw dist="35921" dir="2700000" algn="ctr" rotWithShape="0">
+                      <a:srgbClr val="808080"/>
+                    </a:outerShdw>
+                  </a:effectLst>
+                </a14:hiddenEffects>
+              </a:ext>
+            </a:extLst>
+          </p:spPr>
+        </p:pic>
+        <p:pic>
+          <p:nvPicPr>
+            <p:cNvPr id="76" name="Content Placeholder 6"/>
+            <p:cNvPicPr>
+              <a:picLocks noChangeAspect="1"/>
+            </p:cNvPicPr>
+            <p:nvPr/>
+          </p:nvPicPr>
+          <p:blipFill>
+            <a:blip r:embed="rId3" cstate="screen">
+              <a:duotone>
+                <a:prstClr val="black"/>
+                <a:srgbClr val="4C00FF">
+                  <a:tint val="45000"/>
+                  <a:satMod val="400000"/>
+                </a:srgbClr>
+              </a:duotone>
+              <a:extLst>
+                <a:ext uri="{28A0092B-C50C-407E-A947-70E740481C1C}">
+                  <a14:useLocalDpi xmlns:a14="http://schemas.microsoft.com/office/drawing/2010/main"/>
+                </a:ext>
+              </a:extLst>
+            </a:blip>
+            <a:srcRect l="-57666" r="-57666"/>
+            <a:stretch>
+              <a:fillRect/>
+            </a:stretch>
+          </p:blipFill>
+          <p:spPr bwMode="auto">
+            <a:xfrm flipH="1">
+              <a:off x="6959070" y="5577814"/>
+              <a:ext cx="1755335" cy="815180"/>
+            </a:xfrm>
+            <a:prstGeom prst="rect">
+              <a:avLst/>
+            </a:prstGeom>
+            <a:noFill/>
+            <a:ln>
+              <a:noFill/>
+            </a:ln>
+            <a:effectLst/>
+            <a:extLst>
+              <a:ext uri="{909E8E84-426E-40dd-AFC4-6F175D3DCCD1}">
+                <a14:hiddenFill xmlns:a14="http://schemas.microsoft.com/office/drawing/2010/main">
+                  <a:solidFill>
+                    <a:srgbClr val="FFFFFF"/>
+                  </a:solidFill>
+                </a14:hiddenFill>
+              </a:ext>
+              <a:ext uri="{91240B29-F687-4f45-9708-019B960494DF}">
+                <a14:hiddenLine xmlns:a14="http://schemas.microsoft.com/office/drawing/2010/main" w="9525">
+                  <a:solidFill>
+                    <a:schemeClr val="tx1"/>
+                  </a:solidFill>
+                  <a:miter lim="800000"/>
+                  <a:headEnd/>
+                  <a:tailEnd/>
+                </a14:hiddenLine>
+              </a:ext>
+              <a:ext uri="{AF507438-7753-43e0-B8FC-AC1667EBCBE1}">
+                <a14:hiddenEffects xmlns:a14="http://schemas.microsoft.com/office/drawing/2010/main">
+                  <a:effectLst>
+                    <a:outerShdw dist="35921" dir="2700000" algn="ctr" rotWithShape="0">
+                      <a:srgbClr val="808080"/>
+                    </a:outerShdw>
+                  </a:effectLst>
+                </a14:hiddenEffects>
+              </a:ext>
+            </a:extLst>
+          </p:spPr>
+        </p:pic>
+      </p:grpSp>
+      <p:sp>
+        <p:nvSpPr>
+          <p:cNvPr id="77" name="TextBox 76"/>
+          <p:cNvSpPr txBox="1"/>
+          <p:nvPr/>
+        </p:nvSpPr>
+        <p:spPr>
+          <a:xfrm>
+            <a:off x="7547728" y="5662991"/>
+            <a:ext cx="1108146" cy="400110"/>
+          </a:xfrm>
+          <a:prstGeom prst="rect">
+            <a:avLst/>
+          </a:prstGeom>
+          <a:noFill/>
+        </p:spPr>
+        <p:txBody>
+          <a:bodyPr wrap="none" rtlCol="0">
+            <a:spAutoFit/>
+          </a:bodyPr>
+          <a:lstStyle/>
+          <a:p>
+            <a:r>
+              <a:rPr lang="en-US" sz="2000" dirty="0" smtClean="0">
+                <a:latin typeface="Courier"/>
+                <a:cs typeface="Courier"/>
+              </a:rPr>
+              <a:t>Node 4</a:t>
+            </a:r>
+            <a:endParaRPr lang="en-US" sz="2000" dirty="0">
+              <a:latin typeface="Courier"/>
+              <a:cs typeface="Courier"/>
+            </a:endParaRPr>
+          </a:p>
+        </p:txBody>
+      </p:sp>
+      <p:sp>
+        <p:nvSpPr>
+          <p:cNvPr id="5" name="TextBox 4"/>
+          <p:cNvSpPr txBox="1"/>
+          <p:nvPr/>
+        </p:nvSpPr>
+        <p:spPr>
+          <a:xfrm>
+            <a:off x="4273060" y="2830283"/>
+            <a:ext cx="2101130" cy="338554"/>
+          </a:xfrm>
+          <a:prstGeom prst="rect">
+            <a:avLst/>
+          </a:prstGeom>
+          <a:noFill/>
+        </p:spPr>
+        <p:txBody>
+          <a:bodyPr wrap="square" rtlCol="0">
+            <a:spAutoFit/>
+          </a:bodyPr>
+          <a:lstStyle/>
+          <a:p>
+            <a:r>
+              <a:rPr lang="en-US" sz="1600" dirty="0" smtClean="0">
+                <a:latin typeface="Courier"/>
+                <a:cs typeface="Courier"/>
+              </a:rPr>
+              <a:t>PUT “cowboy”</a:t>
+            </a:r>
+            <a:endParaRPr lang="en-US" sz="1600" dirty="0">
+              <a:latin typeface="Courier"/>
+              <a:cs typeface="Courier"/>
+            </a:endParaRPr>
+          </a:p>
+        </p:txBody>
+      </p:sp>
     </p:spTree>
     <p:extLst>
       <p:ext uri="{BB962C8B-B14F-4D97-AF65-F5344CB8AC3E}">
-        <p14:creationId xmlns:p14="http://schemas.microsoft.com/office/powerpoint/2010/main" val="286120537"/>
+        <p14:creationId xmlns:p14="http://schemas.microsoft.com/office/powerpoint/2010/main" val="773333219"/>
       </p:ext>
     </p:extLst>
   </p:cSld>
@@ -11464,6 +12464,1275 @@
       <p:sp>
         <p:nvSpPr>
           <p:cNvPr id="8" name="Rounded Rectangular Callout 7"/>
+          <p:cNvSpPr/>
+          <p:nvPr/>
+        </p:nvSpPr>
+        <p:spPr bwMode="auto">
+          <a:xfrm>
+            <a:off x="254002" y="1015996"/>
+            <a:ext cx="1388534" cy="1083733"/>
+          </a:xfrm>
+          <a:prstGeom prst="wedgeRoundRectCallout">
+            <a:avLst>
+              <a:gd name="adj1" fmla="val -6034"/>
+              <a:gd name="adj2" fmla="val 87930"/>
+              <a:gd name="adj3" fmla="val 16667"/>
+            </a:avLst>
+          </a:prstGeom>
+          <a:solidFill>
+            <a:schemeClr val="bg1"/>
+          </a:solidFill>
+          <a:ln w="25400" cap="flat" cmpd="sng" algn="ctr">
+            <a:solidFill>
+              <a:srgbClr val="000000"/>
+            </a:solidFill>
+            <a:prstDash val="solid"/>
+            <a:round/>
+            <a:headEnd type="none" w="med" len="med"/>
+            <a:tailEnd type="none" w="med" len="med"/>
+          </a:ln>
+          <a:effectLst/>
+          <a:extLst/>
+        </p:spPr>
+        <p:txBody>
+          <a:bodyPr vert="horz" wrap="square" lIns="91440" tIns="45720" rIns="91440" bIns="45720" numCol="1" rtlCol="0" anchor="t" anchorCtr="0" compatLnSpc="1">
+            <a:prstTxWarp prst="textNoShape">
+              <a:avLst/>
+            </a:prstTxWarp>
+          </a:bodyPr>
+          <a:lstStyle/>
+          <a:p>
+            <a:pPr marL="0" marR="0" indent="0" algn="ctr" defTabSz="914400" rtl="0" eaLnBrk="1" fontAlgn="base" latinLnBrk="0" hangingPunct="1">
+              <a:lnSpc>
+                <a:spcPct val="100000"/>
+              </a:lnSpc>
+              <a:spcBef>
+                <a:spcPct val="0"/>
+              </a:spcBef>
+              <a:spcAft>
+                <a:spcPct val="0"/>
+              </a:spcAft>
+              <a:buClrTx/>
+              <a:buSzTx/>
+              <a:buFontTx/>
+              <a:buNone/>
+              <a:tabLst/>
+            </a:pPr>
+            <a:r>
+              <a:rPr kumimoji="0" lang="en-US" sz="2000" b="0" i="0" u="none" strike="noStrike" cap="none" normalizeH="0" baseline="0" dirty="0" smtClean="0">
+                <a:ln>
+                  <a:noFill/>
+                </a:ln>
+                <a:solidFill>
+                  <a:srgbClr val="000000"/>
+                </a:solidFill>
+                <a:effectLst/>
+                <a:latin typeface="Franklin Gothic Medium"/>
+                <a:ea typeface="ヒラギノ角ゴ ProN W3" charset="0"/>
+                <a:cs typeface="Franklin Gothic Medium"/>
+                <a:sym typeface="Gill Sans" charset="0"/>
+              </a:rPr>
+              <a:t>what did I store</a:t>
+            </a:r>
+            <a:r>
+              <a:rPr kumimoji="0" lang="en-US" sz="2000" b="0" i="0" u="none" strike="noStrike" cap="none" normalizeH="0" dirty="0" smtClean="0">
+                <a:ln>
+                  <a:noFill/>
+                </a:ln>
+                <a:solidFill>
+                  <a:srgbClr val="000000"/>
+                </a:solidFill>
+                <a:effectLst/>
+                <a:latin typeface="Franklin Gothic Medium"/>
+                <a:ea typeface="ヒラギノ角ゴ ProN W3" charset="0"/>
+                <a:cs typeface="Franklin Gothic Medium"/>
+                <a:sym typeface="Gill Sans" charset="0"/>
+              </a:rPr>
+              <a:t>?</a:t>
+            </a:r>
+            <a:endParaRPr kumimoji="0" lang="en-US" sz="2000" b="0" i="0" u="none" strike="noStrike" cap="none" normalizeH="0" baseline="0" dirty="0" smtClean="0">
+              <a:ln>
+                <a:noFill/>
+              </a:ln>
+              <a:solidFill>
+                <a:srgbClr val="000000"/>
+              </a:solidFill>
+              <a:effectLst/>
+              <a:latin typeface="Franklin Gothic Medium"/>
+              <a:ea typeface="ヒラギノ角ゴ ProN W3" charset="0"/>
+              <a:cs typeface="Franklin Gothic Medium"/>
+              <a:sym typeface="Gill Sans" charset="0"/>
+            </a:endParaRPr>
+          </a:p>
+        </p:txBody>
+      </p:sp>
+      <p:pic>
+        <p:nvPicPr>
+          <p:cNvPr id="21" name="Picture 20" descr="BaconKid.png"/>
+          <p:cNvPicPr>
+            <a:picLocks noChangeAspect="1"/>
+          </p:cNvPicPr>
+          <p:nvPr/>
+        </p:nvPicPr>
+        <p:blipFill>
+          <a:blip r:embed="rId6">
+            <a:extLst>
+              <a:ext uri="{BEBA8EAE-BF5A-486C-A8C5-ECC9F3942E4B}">
+                <a14:imgProps xmlns:a14="http://schemas.microsoft.com/office/drawing/2010/main">
+                  <a14:imgLayer r:embed="rId7">
+                    <a14:imgEffect>
+                      <a14:sharpenSoften amount="50000"/>
+                    </a14:imgEffect>
+                    <a14:imgEffect>
+                      <a14:brightnessContrast contrast="20000"/>
+                    </a14:imgEffect>
+                  </a14:imgLayer>
+                </a14:imgProps>
+              </a:ext>
+              <a:ext uri="{28A0092B-C50C-407E-A947-70E740481C1C}">
+                <a14:useLocalDpi xmlns:a14="http://schemas.microsoft.com/office/drawing/2010/main" val="0"/>
+              </a:ext>
+            </a:extLst>
+          </a:blip>
+          <a:stretch>
+            <a:fillRect/>
+          </a:stretch>
+        </p:blipFill>
+        <p:spPr>
+          <a:xfrm>
+            <a:off x="7570411" y="2683419"/>
+            <a:ext cx="755446" cy="1080553"/>
+          </a:xfrm>
+          <a:prstGeom prst="rect">
+            <a:avLst/>
+          </a:prstGeom>
+        </p:spPr>
+      </p:pic>
+      <p:pic>
+        <p:nvPicPr>
+          <p:cNvPr id="22" name="Picture 21" descr="BaconKid.png"/>
+          <p:cNvPicPr>
+            <a:picLocks noChangeAspect="1"/>
+          </p:cNvPicPr>
+          <p:nvPr/>
+        </p:nvPicPr>
+        <p:blipFill>
+          <a:blip r:embed="rId6">
+            <a:extLst>
+              <a:ext uri="{BEBA8EAE-BF5A-486C-A8C5-ECC9F3942E4B}">
+                <a14:imgProps xmlns:a14="http://schemas.microsoft.com/office/drawing/2010/main">
+                  <a14:imgLayer r:embed="rId7">
+                    <a14:imgEffect>
+                      <a14:sharpenSoften amount="50000"/>
+                    </a14:imgEffect>
+                    <a14:imgEffect>
+                      <a14:brightnessContrast contrast="20000"/>
+                    </a14:imgEffect>
+                  </a14:imgLayer>
+                </a14:imgProps>
+              </a:ext>
+              <a:ext uri="{28A0092B-C50C-407E-A947-70E740481C1C}">
+                <a14:useLocalDpi xmlns:a14="http://schemas.microsoft.com/office/drawing/2010/main" val="0"/>
+              </a:ext>
+            </a:extLst>
+          </a:blip>
+          <a:stretch>
+            <a:fillRect/>
+          </a:stretch>
+        </p:blipFill>
+        <p:spPr>
+          <a:xfrm>
+            <a:off x="7551047" y="4198952"/>
+            <a:ext cx="755446" cy="1080553"/>
+          </a:xfrm>
+          <a:prstGeom prst="rect">
+            <a:avLst/>
+          </a:prstGeom>
+        </p:spPr>
+      </p:pic>
+      <p:pic>
+        <p:nvPicPr>
+          <p:cNvPr id="23" name="Picture 22" descr="cowboy.png"/>
+          <p:cNvPicPr>
+            <a:picLocks noChangeAspect="1"/>
+          </p:cNvPicPr>
+          <p:nvPr/>
+        </p:nvPicPr>
+        <p:blipFill>
+          <a:blip r:embed="rId8" cstate="screen">
+            <a:extLst>
+              <a:ext uri="{28A0092B-C50C-407E-A947-70E740481C1C}">
+                <a14:useLocalDpi xmlns:a14="http://schemas.microsoft.com/office/drawing/2010/main"/>
+              </a:ext>
+            </a:extLst>
+          </a:blip>
+          <a:stretch>
+            <a:fillRect/>
+          </a:stretch>
+        </p:blipFill>
+        <p:spPr>
+          <a:xfrm>
+            <a:off x="7572961" y="879804"/>
+            <a:ext cx="745684" cy="1491368"/>
+          </a:xfrm>
+          <a:prstGeom prst="rect">
+            <a:avLst/>
+          </a:prstGeom>
+        </p:spPr>
+      </p:pic>
+    </p:spTree>
+    <p:extLst>
+      <p:ext uri="{BB962C8B-B14F-4D97-AF65-F5344CB8AC3E}">
+        <p14:creationId xmlns:p14="http://schemas.microsoft.com/office/powerpoint/2010/main" val="371442503"/>
+      </p:ext>
+    </p:extLst>
+  </p:cSld>
+  <p:clrMapOvr>
+    <a:masterClrMapping/>
+  </p:clrMapOvr>
+  <p:transition xmlns:p14="http://schemas.microsoft.com/office/powerpoint/2010/main"/>
+  <p:timing>
+    <p:tnLst>
+      <p:par>
+        <p:cTn xmlns:p14="http://schemas.microsoft.com/office/powerpoint/2010/main" id="1" dur="indefinite" restart="never" nodeType="tmRoot"/>
+      </p:par>
+    </p:tnLst>
+  </p:timing>
+</p:sld>
+</file>
+
+<file path=ppt/slides/slide7.xml><?xml version="1.0" encoding="utf-8"?>
+<p:sld xmlns:a="http://schemas.openxmlformats.org/drawingml/2006/main" xmlns:r="http://schemas.openxmlformats.org/officeDocument/2006/relationships" xmlns:p="http://schemas.openxmlformats.org/presentationml/2006/main">
+  <p:cSld>
+    <p:spTree>
+      <p:nvGrpSpPr>
+        <p:cNvPr id="1" name=""/>
+        <p:cNvGrpSpPr/>
+        <p:nvPr/>
+      </p:nvGrpSpPr>
+      <p:grpSpPr>
+        <a:xfrm>
+          <a:off x="0" y="0"/>
+          <a:ext cx="0" cy="0"/>
+          <a:chOff x="0" y="0"/>
+          <a:chExt cx="0" cy="0"/>
+        </a:xfrm>
+      </p:grpSpPr>
+      <p:pic>
+        <p:nvPicPr>
+          <p:cNvPr id="43" name="Picture 42" descr="santa.png"/>
+          <p:cNvPicPr>
+            <a:picLocks noChangeAspect="1"/>
+          </p:cNvPicPr>
+          <p:nvPr/>
+        </p:nvPicPr>
+        <p:blipFill>
+          <a:blip r:embed="rId3" cstate="screen">
+            <a:extLst>
+              <a:ext uri="{28A0092B-C50C-407E-A947-70E740481C1C}">
+                <a14:useLocalDpi xmlns:a14="http://schemas.microsoft.com/office/drawing/2010/main"/>
+              </a:ext>
+            </a:extLst>
+          </a:blip>
+          <a:stretch>
+            <a:fillRect/>
+          </a:stretch>
+        </p:blipFill>
+        <p:spPr>
+          <a:xfrm>
+            <a:off x="691910" y="1974849"/>
+            <a:ext cx="1482932" cy="2565641"/>
+          </a:xfrm>
+          <a:prstGeom prst="rect">
+            <a:avLst/>
+          </a:prstGeom>
+        </p:spPr>
+      </p:pic>
+      <p:pic>
+        <p:nvPicPr>
+          <p:cNvPr id="27" name="Content Placeholder 6"/>
+          <p:cNvPicPr>
+            <a:picLocks noChangeAspect="1"/>
+          </p:cNvPicPr>
+          <p:nvPr/>
+        </p:nvPicPr>
+        <p:blipFill>
+          <a:blip r:embed="rId4" cstate="screen">
+            <a:duotone>
+              <a:prstClr val="black"/>
+              <a:srgbClr val="37FF00">
+                <a:tint val="45000"/>
+                <a:satMod val="400000"/>
+              </a:srgbClr>
+            </a:duotone>
+            <a:extLst>
+              <a:ext uri="{28A0092B-C50C-407E-A947-70E740481C1C}">
+                <a14:useLocalDpi xmlns:a14="http://schemas.microsoft.com/office/drawing/2010/main"/>
+              </a:ext>
+            </a:extLst>
+          </a:blip>
+          <a:srcRect l="-57666" r="-57666"/>
+          <a:stretch>
+            <a:fillRect/>
+          </a:stretch>
+        </p:blipFill>
+        <p:spPr bwMode="auto">
+          <a:xfrm flipH="1">
+            <a:off x="6372573" y="2598358"/>
+            <a:ext cx="3113299" cy="1445820"/>
+          </a:xfrm>
+          <a:prstGeom prst="rect">
+            <a:avLst/>
+          </a:prstGeom>
+          <a:noFill/>
+          <a:ln>
+            <a:noFill/>
+          </a:ln>
+          <a:effectLst/>
+          <a:extLst>
+            <a:ext uri="{909E8E84-426E-40dd-AFC4-6F175D3DCCD1}">
+              <a14:hiddenFill xmlns:a14="http://schemas.microsoft.com/office/drawing/2010/main">
+                <a:solidFill>
+                  <a:srgbClr val="FFFFFF"/>
+                </a:solidFill>
+              </a14:hiddenFill>
+            </a:ext>
+            <a:ext uri="{91240B29-F687-4f45-9708-019B960494DF}">
+              <a14:hiddenLine xmlns:a14="http://schemas.microsoft.com/office/drawing/2010/main" w="9525">
+                <a:solidFill>
+                  <a:schemeClr val="tx1"/>
+                </a:solidFill>
+                <a:miter lim="800000"/>
+                <a:headEnd/>
+                <a:tailEnd/>
+              </a14:hiddenLine>
+            </a:ext>
+            <a:ext uri="{AF507438-7753-43e0-B8FC-AC1667EBCBE1}">
+              <a14:hiddenEffects xmlns:a14="http://schemas.microsoft.com/office/drawing/2010/main">
+                <a:effectLst>
+                  <a:outerShdw dist="35921" dir="2700000" algn="ctr" rotWithShape="0">
+                    <a:srgbClr val="808080"/>
+                  </a:outerShdw>
+                </a:effectLst>
+              </a14:hiddenEffects>
+            </a:ext>
+          </a:extLst>
+        </p:spPr>
+      </p:pic>
+      <p:pic>
+        <p:nvPicPr>
+          <p:cNvPr id="28" name="Content Placeholder 6"/>
+          <p:cNvPicPr>
+            <a:picLocks noChangeAspect="1"/>
+          </p:cNvPicPr>
+          <p:nvPr/>
+        </p:nvPicPr>
+        <p:blipFill>
+          <a:blip r:embed="rId4" cstate="screen">
+            <a:duotone>
+              <a:prstClr val="black"/>
+              <a:srgbClr val="FF0C00">
+                <a:tint val="45000"/>
+                <a:satMod val="400000"/>
+              </a:srgbClr>
+            </a:duotone>
+            <a:extLst>
+              <a:ext uri="{28A0092B-C50C-407E-A947-70E740481C1C}">
+                <a14:useLocalDpi xmlns:a14="http://schemas.microsoft.com/office/drawing/2010/main"/>
+              </a:ext>
+            </a:extLst>
+          </a:blip>
+          <a:srcRect l="-57666" r="-57666"/>
+          <a:stretch>
+            <a:fillRect/>
+          </a:stretch>
+        </p:blipFill>
+        <p:spPr bwMode="auto">
+          <a:xfrm flipH="1">
+            <a:off x="6372573" y="1087357"/>
+            <a:ext cx="3113299" cy="1445820"/>
+          </a:xfrm>
+          <a:prstGeom prst="rect">
+            <a:avLst/>
+          </a:prstGeom>
+          <a:noFill/>
+          <a:ln>
+            <a:noFill/>
+          </a:ln>
+          <a:effectLst/>
+          <a:extLst/>
+        </p:spPr>
+      </p:pic>
+      <p:pic>
+        <p:nvPicPr>
+          <p:cNvPr id="29" name="Content Placeholder 6"/>
+          <p:cNvPicPr>
+            <a:picLocks noChangeAspect="1"/>
+          </p:cNvPicPr>
+          <p:nvPr/>
+        </p:nvPicPr>
+        <p:blipFill>
+          <a:blip r:embed="rId4" cstate="screen">
+            <a:duotone>
+              <a:prstClr val="black"/>
+              <a:srgbClr val="4C00FF">
+                <a:tint val="45000"/>
+                <a:satMod val="400000"/>
+              </a:srgbClr>
+            </a:duotone>
+            <a:extLst>
+              <a:ext uri="{28A0092B-C50C-407E-A947-70E740481C1C}">
+                <a14:useLocalDpi xmlns:a14="http://schemas.microsoft.com/office/drawing/2010/main"/>
+              </a:ext>
+            </a:extLst>
+          </a:blip>
+          <a:srcRect l="-57666" r="-57666"/>
+          <a:stretch>
+            <a:fillRect/>
+          </a:stretch>
+        </p:blipFill>
+        <p:spPr bwMode="auto">
+          <a:xfrm flipH="1">
+            <a:off x="6372573" y="4109360"/>
+            <a:ext cx="3113299" cy="1445820"/>
+          </a:xfrm>
+          <a:prstGeom prst="rect">
+            <a:avLst/>
+          </a:prstGeom>
+          <a:noFill/>
+          <a:ln>
+            <a:noFill/>
+          </a:ln>
+          <a:effectLst/>
+          <a:extLst>
+            <a:ext uri="{909E8E84-426E-40dd-AFC4-6F175D3DCCD1}">
+              <a14:hiddenFill xmlns:a14="http://schemas.microsoft.com/office/drawing/2010/main">
+                <a:solidFill>
+                  <a:srgbClr val="FFFFFF"/>
+                </a:solidFill>
+              </a14:hiddenFill>
+            </a:ext>
+            <a:ext uri="{91240B29-F687-4f45-9708-019B960494DF}">
+              <a14:hiddenLine xmlns:a14="http://schemas.microsoft.com/office/drawing/2010/main" w="9525">
+                <a:solidFill>
+                  <a:schemeClr val="tx1"/>
+                </a:solidFill>
+                <a:miter lim="800000"/>
+                <a:headEnd/>
+                <a:tailEnd/>
+              </a14:hiddenLine>
+            </a:ext>
+            <a:ext uri="{AF507438-7753-43e0-B8FC-AC1667EBCBE1}">
+              <a14:hiddenEffects xmlns:a14="http://schemas.microsoft.com/office/drawing/2010/main">
+                <a:effectLst>
+                  <a:outerShdw dist="35921" dir="2700000" algn="ctr" rotWithShape="0">
+                    <a:srgbClr val="808080"/>
+                  </a:outerShdw>
+                </a:effectLst>
+              </a14:hiddenEffects>
+            </a:ext>
+          </a:extLst>
+        </p:spPr>
+      </p:pic>
+      <p:grpSp>
+        <p:nvGrpSpPr>
+          <p:cNvPr id="30" name="Group 29"/>
+          <p:cNvGrpSpPr/>
+          <p:nvPr/>
+        </p:nvGrpSpPr>
+        <p:grpSpPr>
+          <a:xfrm flipH="1">
+            <a:off x="4455584" y="1810267"/>
+            <a:ext cx="2755903" cy="3022003"/>
+            <a:chOff x="5582590" y="1894932"/>
+            <a:chExt cx="3429000" cy="3022003"/>
+          </a:xfrm>
+        </p:grpSpPr>
+        <p:cxnSp>
+          <p:nvCxnSpPr>
+            <p:cNvPr id="31" name="Straight Arrow Connector 30"/>
+            <p:cNvCxnSpPr/>
+            <p:nvPr/>
+          </p:nvCxnSpPr>
+          <p:spPr bwMode="auto">
+            <a:xfrm>
+              <a:off x="5582590" y="3405933"/>
+              <a:ext cx="3429000" cy="0"/>
+            </a:xfrm>
+            <a:prstGeom prst="straightConnector1">
+              <a:avLst/>
+            </a:prstGeom>
+            <a:solidFill>
+              <a:schemeClr val="accent1"/>
+            </a:solidFill>
+            <a:ln w="114300" cap="rnd" cmpd="sng" algn="ctr">
+              <a:solidFill>
+                <a:srgbClr val="34812B"/>
+              </a:solidFill>
+              <a:prstDash val="solid"/>
+              <a:round/>
+              <a:headEnd type="none" w="med" len="med"/>
+              <a:tailEnd type="triangle" w="med" len="med"/>
+            </a:ln>
+            <a:effectLst/>
+            <a:extLst>
+              <a:ext uri="{AF507438-7753-43e0-B8FC-AC1667EBCBE1}">
+                <a14:hiddenEffects xmlns:a14="http://schemas.microsoft.com/office/drawing/2010/main">
+                  <a:effectLst>
+                    <a:outerShdw dist="35921" dir="2700000" algn="ctr" rotWithShape="0">
+                      <a:schemeClr val="bg2"/>
+                    </a:outerShdw>
+                  </a:effectLst>
+                </a14:hiddenEffects>
+              </a:ext>
+            </a:extLst>
+          </p:spPr>
+        </p:cxnSp>
+        <p:cxnSp>
+          <p:nvCxnSpPr>
+            <p:cNvPr id="32" name="Straight Arrow Connector 31"/>
+            <p:cNvCxnSpPr/>
+            <p:nvPr/>
+          </p:nvCxnSpPr>
+          <p:spPr bwMode="auto">
+            <a:xfrm>
+              <a:off x="5582590" y="1894932"/>
+              <a:ext cx="3429000" cy="0"/>
+            </a:xfrm>
+            <a:prstGeom prst="straightConnector1">
+              <a:avLst/>
+            </a:prstGeom>
+            <a:solidFill>
+              <a:schemeClr val="accent1"/>
+            </a:solidFill>
+            <a:ln w="114300" cap="rnd" cmpd="sng" algn="ctr">
+              <a:solidFill>
+                <a:srgbClr val="883032"/>
+              </a:solidFill>
+              <a:prstDash val="solid"/>
+              <a:round/>
+              <a:headEnd type="none" w="med" len="med"/>
+              <a:tailEnd type="triangle" w="med" len="med"/>
+            </a:ln>
+            <a:effectLst/>
+            <a:extLst>
+              <a:ext uri="{AF507438-7753-43e0-B8FC-AC1667EBCBE1}">
+                <a14:hiddenEffects xmlns:a14="http://schemas.microsoft.com/office/drawing/2010/main">
+                  <a:effectLst>
+                    <a:outerShdw dist="35921" dir="2700000" algn="ctr" rotWithShape="0">
+                      <a:schemeClr val="bg2"/>
+                    </a:outerShdw>
+                  </a:effectLst>
+                </a14:hiddenEffects>
+              </a:ext>
+            </a:extLst>
+          </p:spPr>
+        </p:cxnSp>
+        <p:cxnSp>
+          <p:nvCxnSpPr>
+            <p:cNvPr id="33" name="Straight Arrow Connector 32"/>
+            <p:cNvCxnSpPr/>
+            <p:nvPr/>
+          </p:nvCxnSpPr>
+          <p:spPr bwMode="auto">
+            <a:xfrm>
+              <a:off x="5582590" y="4916935"/>
+              <a:ext cx="3429000" cy="0"/>
+            </a:xfrm>
+            <a:prstGeom prst="straightConnector1">
+              <a:avLst/>
+            </a:prstGeom>
+            <a:solidFill>
+              <a:schemeClr val="accent1"/>
+            </a:solidFill>
+            <a:ln w="114300" cap="rnd" cmpd="sng" algn="ctr">
+              <a:solidFill>
+                <a:srgbClr val="281F5D"/>
+              </a:solidFill>
+              <a:prstDash val="solid"/>
+              <a:round/>
+              <a:headEnd type="none" w="med" len="med"/>
+              <a:tailEnd type="triangle" w="med" len="med"/>
+            </a:ln>
+            <a:effectLst/>
+            <a:extLst>
+              <a:ext uri="{AF507438-7753-43e0-B8FC-AC1667EBCBE1}">
+                <a14:hiddenEffects xmlns:a14="http://schemas.microsoft.com/office/drawing/2010/main">
+                  <a:effectLst>
+                    <a:outerShdw dist="35921" dir="2700000" algn="ctr" rotWithShape="0">
+                      <a:schemeClr val="bg2"/>
+                    </a:outerShdw>
+                  </a:effectLst>
+                </a14:hiddenEffects>
+              </a:ext>
+            </a:extLst>
+          </p:spPr>
+        </p:cxnSp>
+      </p:grpSp>
+      <p:pic>
+        <p:nvPicPr>
+          <p:cNvPr id="34" name="Picture 33"/>
+          <p:cNvPicPr>
+            <a:picLocks noChangeAspect="1"/>
+          </p:cNvPicPr>
+          <p:nvPr/>
+        </p:nvPicPr>
+        <p:blipFill>
+          <a:blip r:embed="rId5" cstate="screen">
+            <a:extLst>
+              <a:ext uri="{28A0092B-C50C-407E-A947-70E740481C1C}">
+                <a14:useLocalDpi xmlns:a14="http://schemas.microsoft.com/office/drawing/2010/main"/>
+              </a:ext>
+            </a:extLst>
+          </a:blip>
+          <a:stretch>
+            <a:fillRect/>
+          </a:stretch>
+        </p:blipFill>
+        <p:spPr>
+          <a:xfrm>
+            <a:off x="3476711" y="3973457"/>
+            <a:ext cx="957301" cy="1340952"/>
+          </a:xfrm>
+          <a:prstGeom prst="rect">
+            <a:avLst/>
+          </a:prstGeom>
+        </p:spPr>
+      </p:pic>
+      <p:pic>
+        <p:nvPicPr>
+          <p:cNvPr id="35" name="Picture 34"/>
+          <p:cNvPicPr>
+            <a:picLocks noChangeAspect="1"/>
+          </p:cNvPicPr>
+          <p:nvPr/>
+        </p:nvPicPr>
+        <p:blipFill>
+          <a:blip r:embed="rId5" cstate="screen">
+            <a:extLst>
+              <a:ext uri="{28A0092B-C50C-407E-A947-70E740481C1C}">
+                <a14:useLocalDpi xmlns:a14="http://schemas.microsoft.com/office/drawing/2010/main"/>
+              </a:ext>
+            </a:extLst>
+          </a:blip>
+          <a:stretch>
+            <a:fillRect/>
+          </a:stretch>
+        </p:blipFill>
+        <p:spPr>
+          <a:xfrm>
+            <a:off x="3476711" y="2470151"/>
+            <a:ext cx="957301" cy="1340952"/>
+          </a:xfrm>
+          <a:prstGeom prst="rect">
+            <a:avLst/>
+          </a:prstGeom>
+        </p:spPr>
+      </p:pic>
+      <p:pic>
+        <p:nvPicPr>
+          <p:cNvPr id="39" name="Picture 38"/>
+          <p:cNvPicPr>
+            <a:picLocks noChangeAspect="1"/>
+          </p:cNvPicPr>
+          <p:nvPr/>
+        </p:nvPicPr>
+        <p:blipFill>
+          <a:blip r:embed="rId5" cstate="screen">
+            <a:extLst>
+              <a:ext uri="{28A0092B-C50C-407E-A947-70E740481C1C}">
+                <a14:useLocalDpi xmlns:a14="http://schemas.microsoft.com/office/drawing/2010/main"/>
+              </a:ext>
+            </a:extLst>
+          </a:blip>
+          <a:stretch>
+            <a:fillRect/>
+          </a:stretch>
+        </p:blipFill>
+        <p:spPr>
+          <a:xfrm>
+            <a:off x="3476711" y="970847"/>
+            <a:ext cx="957301" cy="1340952"/>
+          </a:xfrm>
+          <a:prstGeom prst="rect">
+            <a:avLst/>
+          </a:prstGeom>
+        </p:spPr>
+      </p:pic>
+      <p:sp>
+        <p:nvSpPr>
+          <p:cNvPr id="49" name="Rounded Rectangular Callout 48"/>
+          <p:cNvSpPr/>
+          <p:nvPr/>
+        </p:nvSpPr>
+        <p:spPr bwMode="auto">
+          <a:xfrm>
+            <a:off x="4480986" y="448727"/>
+            <a:ext cx="800103" cy="1219200"/>
+          </a:xfrm>
+          <a:prstGeom prst="wedgeRoundRectCallout">
+            <a:avLst>
+              <a:gd name="adj1" fmla="val -76788"/>
+              <a:gd name="adj2" fmla="val 29727"/>
+              <a:gd name="adj3" fmla="val 16667"/>
+            </a:avLst>
+          </a:prstGeom>
+          <a:solidFill>
+            <a:schemeClr val="bg1"/>
+          </a:solidFill>
+          <a:ln w="25400" cap="flat" cmpd="sng" algn="ctr">
+            <a:solidFill>
+              <a:srgbClr val="000000"/>
+            </a:solidFill>
+            <a:prstDash val="solid"/>
+            <a:round/>
+            <a:headEnd type="none" w="med" len="med"/>
+            <a:tailEnd type="none" w="med" len="med"/>
+          </a:ln>
+          <a:effectLst/>
+          <a:extLst/>
+        </p:spPr>
+        <p:txBody>
+          <a:bodyPr vert="horz" wrap="square" lIns="91440" tIns="45720" rIns="91440" bIns="45720" numCol="1" rtlCol="0" anchor="t" anchorCtr="0" compatLnSpc="1">
+            <a:prstTxWarp prst="textNoShape">
+              <a:avLst/>
+            </a:prstTxWarp>
+          </a:bodyPr>
+          <a:lstStyle/>
+          <a:p>
+            <a:pPr marL="0" marR="0" indent="0" algn="ctr" defTabSz="914400" rtl="0" eaLnBrk="1" fontAlgn="base" latinLnBrk="0" hangingPunct="1">
+              <a:lnSpc>
+                <a:spcPct val="100000"/>
+              </a:lnSpc>
+              <a:spcBef>
+                <a:spcPct val="0"/>
+              </a:spcBef>
+              <a:spcAft>
+                <a:spcPct val="0"/>
+              </a:spcAft>
+              <a:buClrTx/>
+              <a:buSzTx/>
+              <a:buFontTx/>
+              <a:buNone/>
+              <a:tabLst/>
+            </a:pPr>
+            <a:endParaRPr kumimoji="0" lang="en-US" sz="4200" b="0" i="0" u="none" strike="noStrike" cap="none" normalizeH="0" baseline="0" smtClean="0">
+              <a:ln>
+                <a:noFill/>
+              </a:ln>
+              <a:solidFill>
+                <a:srgbClr val="000000"/>
+              </a:solidFill>
+              <a:effectLst/>
+              <a:latin typeface="Gill Sans" charset="0"/>
+              <a:ea typeface="ヒラギノ角ゴ ProN W3" charset="0"/>
+              <a:cs typeface="ヒラギノ角ゴ ProN W3" charset="0"/>
+              <a:sym typeface="Gill Sans" charset="0"/>
+            </a:endParaRPr>
+          </a:p>
+        </p:txBody>
+      </p:sp>
+      <p:pic>
+        <p:nvPicPr>
+          <p:cNvPr id="50" name="Picture 49" descr="cowboy.png"/>
+          <p:cNvPicPr>
+            <a:picLocks noChangeAspect="1"/>
+          </p:cNvPicPr>
+          <p:nvPr/>
+        </p:nvPicPr>
+        <p:blipFill>
+          <a:blip r:embed="rId6" cstate="screen">
+            <a:extLst>
+              <a:ext uri="{28A0092B-C50C-407E-A947-70E740481C1C}">
+                <a14:useLocalDpi xmlns:a14="http://schemas.microsoft.com/office/drawing/2010/main"/>
+              </a:ext>
+            </a:extLst>
+          </a:blip>
+          <a:stretch>
+            <a:fillRect/>
+          </a:stretch>
+        </p:blipFill>
+        <p:spPr>
+          <a:xfrm>
+            <a:off x="4567504" y="439967"/>
+            <a:ext cx="629756" cy="1259511"/>
+          </a:xfrm>
+          <a:prstGeom prst="rect">
+            <a:avLst/>
+          </a:prstGeom>
+        </p:spPr>
+      </p:pic>
+      <p:sp>
+        <p:nvSpPr>
+          <p:cNvPr id="56" name="Rounded Rectangular Callout 55"/>
+          <p:cNvSpPr/>
+          <p:nvPr/>
+        </p:nvSpPr>
+        <p:spPr bwMode="auto">
+          <a:xfrm>
+            <a:off x="4459217" y="3484631"/>
+            <a:ext cx="800103" cy="1219200"/>
+          </a:xfrm>
+          <a:prstGeom prst="wedgeRoundRectCallout">
+            <a:avLst>
+              <a:gd name="adj1" fmla="val -73765"/>
+              <a:gd name="adj2" fmla="val 31710"/>
+              <a:gd name="adj3" fmla="val 16667"/>
+            </a:avLst>
+          </a:prstGeom>
+          <a:solidFill>
+            <a:schemeClr val="bg1"/>
+          </a:solidFill>
+          <a:ln w="25400" cap="flat" cmpd="sng" algn="ctr">
+            <a:solidFill>
+              <a:srgbClr val="000000"/>
+            </a:solidFill>
+            <a:prstDash val="solid"/>
+            <a:round/>
+            <a:headEnd type="none" w="med" len="med"/>
+            <a:tailEnd type="none" w="med" len="med"/>
+          </a:ln>
+          <a:effectLst/>
+          <a:extLst/>
+        </p:spPr>
+        <p:txBody>
+          <a:bodyPr vert="horz" wrap="square" lIns="91440" tIns="45720" rIns="91440" bIns="45720" numCol="1" rtlCol="0" anchor="t" anchorCtr="0" compatLnSpc="1">
+            <a:prstTxWarp prst="textNoShape">
+              <a:avLst/>
+            </a:prstTxWarp>
+          </a:bodyPr>
+          <a:lstStyle/>
+          <a:p>
+            <a:pPr marL="0" marR="0" indent="0" algn="ctr" defTabSz="914400" rtl="0" eaLnBrk="1" fontAlgn="base" latinLnBrk="0" hangingPunct="1">
+              <a:lnSpc>
+                <a:spcPct val="100000"/>
+              </a:lnSpc>
+              <a:spcBef>
+                <a:spcPct val="0"/>
+              </a:spcBef>
+              <a:spcAft>
+                <a:spcPct val="0"/>
+              </a:spcAft>
+              <a:buClrTx/>
+              <a:buSzTx/>
+              <a:buFontTx/>
+              <a:buNone/>
+              <a:tabLst/>
+            </a:pPr>
+            <a:endParaRPr kumimoji="0" lang="en-US" sz="4200" b="0" i="0" u="none" strike="noStrike" cap="none" normalizeH="0" baseline="0" smtClean="0">
+              <a:ln>
+                <a:noFill/>
+              </a:ln>
+              <a:solidFill>
+                <a:srgbClr val="000000"/>
+              </a:solidFill>
+              <a:effectLst/>
+              <a:latin typeface="Gill Sans" charset="0"/>
+              <a:ea typeface="ヒラギノ角ゴ ProN W3" charset="0"/>
+              <a:cs typeface="ヒラギノ角ゴ ProN W3" charset="0"/>
+              <a:sym typeface="Gill Sans" charset="0"/>
+            </a:endParaRPr>
+          </a:p>
+        </p:txBody>
+      </p:sp>
+      <p:pic>
+        <p:nvPicPr>
+          <p:cNvPr id="57" name="Picture 56" descr="BaconKid.png"/>
+          <p:cNvPicPr>
+            <a:picLocks noChangeAspect="1"/>
+          </p:cNvPicPr>
+          <p:nvPr/>
+        </p:nvPicPr>
+        <p:blipFill>
+          <a:blip r:embed="rId7">
+            <a:extLst>
+              <a:ext uri="{BEBA8EAE-BF5A-486C-A8C5-ECC9F3942E4B}">
+                <a14:imgProps xmlns:a14="http://schemas.microsoft.com/office/drawing/2010/main">
+                  <a14:imgLayer r:embed="rId8">
+                    <a14:imgEffect>
+                      <a14:sharpenSoften amount="50000"/>
+                    </a14:imgEffect>
+                    <a14:imgEffect>
+                      <a14:brightnessContrast bright="20000"/>
+                    </a14:imgEffect>
+                  </a14:imgLayer>
+                </a14:imgProps>
+              </a:ext>
+              <a:ext uri="{28A0092B-C50C-407E-A947-70E740481C1C}">
+                <a14:useLocalDpi xmlns:a14="http://schemas.microsoft.com/office/drawing/2010/main" val="0"/>
+              </a:ext>
+            </a:extLst>
+          </a:blip>
+          <a:stretch>
+            <a:fillRect/>
+          </a:stretch>
+        </p:blipFill>
+        <p:spPr>
+          <a:xfrm>
+            <a:off x="4500710" y="3587275"/>
+            <a:ext cx="715462" cy="1023362"/>
+          </a:xfrm>
+          <a:prstGeom prst="rect">
+            <a:avLst/>
+          </a:prstGeom>
+        </p:spPr>
+      </p:pic>
+      <p:sp>
+        <p:nvSpPr>
+          <p:cNvPr id="22" name="Multiply 21"/>
+          <p:cNvSpPr/>
+          <p:nvPr/>
+        </p:nvSpPr>
+        <p:spPr bwMode="auto">
+          <a:xfrm>
+            <a:off x="4434113" y="3635833"/>
+            <a:ext cx="846667" cy="846667"/>
+          </a:xfrm>
+          <a:prstGeom prst="mathMultiply">
+            <a:avLst/>
+          </a:prstGeom>
+          <a:solidFill>
+            <a:schemeClr val="accent1"/>
+          </a:solidFill>
+          <a:ln w="25400" cap="flat" cmpd="sng" algn="ctr">
+            <a:solidFill>
+              <a:srgbClr val="000000"/>
+            </a:solidFill>
+            <a:prstDash val="solid"/>
+            <a:round/>
+            <a:headEnd type="none" w="med" len="med"/>
+            <a:tailEnd type="none" w="med" len="med"/>
+          </a:ln>
+          <a:effectLst/>
+          <a:extLst>
+            <a:ext uri="{AF507438-7753-43e0-B8FC-AC1667EBCBE1}">
+              <a14:hiddenEffects xmlns:a14="http://schemas.microsoft.com/office/drawing/2010/main">
+                <a:effectLst>
+                  <a:outerShdw dist="35921" dir="2700000" algn="ctr" rotWithShape="0">
+                    <a:schemeClr val="bg2"/>
+                  </a:outerShdw>
+                </a:effectLst>
+              </a14:hiddenEffects>
+            </a:ext>
+          </a:extLst>
+        </p:spPr>
+        <p:txBody>
+          <a:bodyPr vert="horz" wrap="square" lIns="91440" tIns="45720" rIns="91440" bIns="45720" numCol="1" rtlCol="0" anchor="t" anchorCtr="0" compatLnSpc="1">
+            <a:prstTxWarp prst="textNoShape">
+              <a:avLst/>
+            </a:prstTxWarp>
+          </a:bodyPr>
+          <a:lstStyle/>
+          <a:p>
+            <a:pPr marL="0" marR="0" indent="0" algn="ctr" defTabSz="914400" rtl="0" eaLnBrk="1" fontAlgn="base" latinLnBrk="0" hangingPunct="1">
+              <a:lnSpc>
+                <a:spcPct val="100000"/>
+              </a:lnSpc>
+              <a:spcBef>
+                <a:spcPct val="0"/>
+              </a:spcBef>
+              <a:spcAft>
+                <a:spcPct val="0"/>
+              </a:spcAft>
+              <a:buClrTx/>
+              <a:buSzTx/>
+              <a:buFontTx/>
+              <a:buNone/>
+              <a:tabLst/>
+            </a:pPr>
+            <a:endParaRPr kumimoji="0" lang="en-US" sz="4200" b="0" i="0" u="none" strike="noStrike" cap="none" normalizeH="0" baseline="0" smtClean="0">
+              <a:ln>
+                <a:noFill/>
+              </a:ln>
+              <a:solidFill>
+                <a:srgbClr val="000000"/>
+              </a:solidFill>
+              <a:effectLst/>
+              <a:latin typeface="Gill Sans" charset="0"/>
+              <a:ea typeface="ヒラギノ角ゴ ProN W3" charset="0"/>
+              <a:cs typeface="ヒラギノ角ゴ ProN W3" charset="0"/>
+              <a:sym typeface="Gill Sans" charset="0"/>
+            </a:endParaRPr>
+          </a:p>
+        </p:txBody>
+      </p:sp>
+      <p:cxnSp>
+        <p:nvCxnSpPr>
+          <p:cNvPr id="23" name="Straight Arrow Connector 22"/>
+          <p:cNvCxnSpPr/>
+          <p:nvPr/>
+        </p:nvCxnSpPr>
+        <p:spPr bwMode="auto">
+          <a:xfrm>
+            <a:off x="4969933" y="1820333"/>
+            <a:ext cx="2226734" cy="997857"/>
+          </a:xfrm>
+          <a:prstGeom prst="straightConnector1">
+            <a:avLst/>
+          </a:prstGeom>
+          <a:solidFill>
+            <a:schemeClr val="accent1"/>
+          </a:solidFill>
+          <a:ln w="76200" cap="rnd" cmpd="sng" algn="ctr">
+            <a:solidFill>
+              <a:srgbClr val="883032"/>
+            </a:solidFill>
+            <a:prstDash val="sysDash"/>
+            <a:round/>
+            <a:headEnd type="none" w="med" len="med"/>
+            <a:tailEnd type="triangle" w="med" len="med"/>
+          </a:ln>
+          <a:effectLst/>
+          <a:extLst>
+            <a:ext uri="{AF507438-7753-43e0-B8FC-AC1667EBCBE1}">
+              <a14:hiddenEffects xmlns:a14="http://schemas.microsoft.com/office/drawing/2010/main">
+                <a:effectLst>
+                  <a:outerShdw dist="35921" dir="2700000" algn="ctr" rotWithShape="0">
+                    <a:schemeClr val="bg2"/>
+                  </a:outerShdw>
+                </a:effectLst>
+              </a14:hiddenEffects>
+            </a:ext>
+          </a:extLst>
+        </p:spPr>
+      </p:cxnSp>
+      <p:cxnSp>
+        <p:nvCxnSpPr>
+          <p:cNvPr id="24" name="Straight Arrow Connector 23"/>
+          <p:cNvCxnSpPr/>
+          <p:nvPr/>
+        </p:nvCxnSpPr>
+        <p:spPr bwMode="auto">
+          <a:xfrm>
+            <a:off x="4961467" y="1828800"/>
+            <a:ext cx="2247295" cy="2452914"/>
+          </a:xfrm>
+          <a:prstGeom prst="straightConnector1">
+            <a:avLst/>
+          </a:prstGeom>
+          <a:solidFill>
+            <a:schemeClr val="accent1"/>
+          </a:solidFill>
+          <a:ln w="76200" cap="rnd" cmpd="sng" algn="ctr">
+            <a:solidFill>
+              <a:srgbClr val="883032"/>
+            </a:solidFill>
+            <a:prstDash val="sysDash"/>
+            <a:round/>
+            <a:headEnd type="none" w="med" len="med"/>
+            <a:tailEnd type="triangle" w="med" len="med"/>
+          </a:ln>
+          <a:effectLst/>
+          <a:extLst>
+            <a:ext uri="{AF507438-7753-43e0-B8FC-AC1667EBCBE1}">
+              <a14:hiddenEffects xmlns:a14="http://schemas.microsoft.com/office/drawing/2010/main">
+                <a:effectLst>
+                  <a:outerShdw dist="35921" dir="2700000" algn="ctr" rotWithShape="0">
+                    <a:schemeClr val="bg2"/>
+                  </a:outerShdw>
+                </a:effectLst>
+              </a14:hiddenEffects>
+            </a:ext>
+          </a:extLst>
+        </p:spPr>
+      </p:cxnSp>
+      <p:sp>
+        <p:nvSpPr>
+          <p:cNvPr id="51" name="Rounded Rectangular Callout 50"/>
+          <p:cNvSpPr/>
+          <p:nvPr/>
+        </p:nvSpPr>
+        <p:spPr bwMode="auto">
+          <a:xfrm>
+            <a:off x="4464054" y="1989659"/>
+            <a:ext cx="800103" cy="1219200"/>
+          </a:xfrm>
+          <a:prstGeom prst="wedgeRoundRectCallout">
+            <a:avLst>
+              <a:gd name="adj1" fmla="val -73765"/>
+              <a:gd name="adj2" fmla="val 31710"/>
+              <a:gd name="adj3" fmla="val 16667"/>
+            </a:avLst>
+          </a:prstGeom>
+          <a:solidFill>
+            <a:schemeClr val="bg1"/>
+          </a:solidFill>
+          <a:ln w="25400" cap="flat" cmpd="sng" algn="ctr">
+            <a:solidFill>
+              <a:srgbClr val="000000"/>
+            </a:solidFill>
+            <a:prstDash val="solid"/>
+            <a:round/>
+            <a:headEnd type="none" w="med" len="med"/>
+            <a:tailEnd type="none" w="med" len="med"/>
+          </a:ln>
+          <a:effectLst/>
+          <a:extLst/>
+        </p:spPr>
+        <p:txBody>
+          <a:bodyPr vert="horz" wrap="square" lIns="91440" tIns="45720" rIns="91440" bIns="45720" numCol="1" rtlCol="0" anchor="t" anchorCtr="0" compatLnSpc="1">
+            <a:prstTxWarp prst="textNoShape">
+              <a:avLst/>
+            </a:prstTxWarp>
+          </a:bodyPr>
+          <a:lstStyle/>
+          <a:p>
+            <a:pPr marL="0" marR="0" indent="0" algn="ctr" defTabSz="914400" rtl="0" eaLnBrk="1" fontAlgn="base" latinLnBrk="0" hangingPunct="1">
+              <a:lnSpc>
+                <a:spcPct val="100000"/>
+              </a:lnSpc>
+              <a:spcBef>
+                <a:spcPct val="0"/>
+              </a:spcBef>
+              <a:spcAft>
+                <a:spcPct val="0"/>
+              </a:spcAft>
+              <a:buClrTx/>
+              <a:buSzTx/>
+              <a:buFontTx/>
+              <a:buNone/>
+              <a:tabLst/>
+            </a:pPr>
+            <a:endParaRPr kumimoji="0" lang="en-US" sz="4200" b="0" i="0" u="none" strike="noStrike" cap="none" normalizeH="0" baseline="0" smtClean="0">
+              <a:ln>
+                <a:noFill/>
+              </a:ln>
+              <a:solidFill>
+                <a:srgbClr val="000000"/>
+              </a:solidFill>
+              <a:effectLst/>
+              <a:latin typeface="Gill Sans" charset="0"/>
+              <a:ea typeface="ヒラギノ角ゴ ProN W3" charset="0"/>
+              <a:cs typeface="ヒラギノ角ゴ ProN W3" charset="0"/>
+              <a:sym typeface="Gill Sans" charset="0"/>
+            </a:endParaRPr>
+          </a:p>
+        </p:txBody>
+      </p:sp>
+      <p:pic>
+        <p:nvPicPr>
+          <p:cNvPr id="55" name="Picture 54" descr="BaconKid.png"/>
+          <p:cNvPicPr>
+            <a:picLocks noChangeAspect="1"/>
+          </p:cNvPicPr>
+          <p:nvPr/>
+        </p:nvPicPr>
+        <p:blipFill>
+          <a:blip r:embed="rId7">
+            <a:extLst>
+              <a:ext uri="{BEBA8EAE-BF5A-486C-A8C5-ECC9F3942E4B}">
+                <a14:imgProps xmlns:a14="http://schemas.microsoft.com/office/drawing/2010/main">
+                  <a14:imgLayer r:embed="rId8">
+                    <a14:imgEffect>
+                      <a14:sharpenSoften amount="50000"/>
+                    </a14:imgEffect>
+                    <a14:imgEffect>
+                      <a14:brightnessContrast bright="20000"/>
+                    </a14:imgEffect>
+                  </a14:imgLayer>
+                </a14:imgProps>
+              </a:ext>
+              <a:ext uri="{28A0092B-C50C-407E-A947-70E740481C1C}">
+                <a14:useLocalDpi xmlns:a14="http://schemas.microsoft.com/office/drawing/2010/main" val="0"/>
+              </a:ext>
+            </a:extLst>
+          </a:blip>
+          <a:stretch>
+            <a:fillRect/>
+          </a:stretch>
+        </p:blipFill>
+        <p:spPr>
+          <a:xfrm>
+            <a:off x="4505547" y="2092303"/>
+            <a:ext cx="715462" cy="1023362"/>
+          </a:xfrm>
+          <a:prstGeom prst="rect">
+            <a:avLst/>
+          </a:prstGeom>
+        </p:spPr>
+      </p:pic>
+      <p:sp>
+        <p:nvSpPr>
+          <p:cNvPr id="2" name="Multiply 1"/>
+          <p:cNvSpPr/>
+          <p:nvPr/>
+        </p:nvSpPr>
+        <p:spPr bwMode="auto">
+          <a:xfrm>
+            <a:off x="4451047" y="2128765"/>
+            <a:ext cx="846667" cy="846667"/>
+          </a:xfrm>
+          <a:prstGeom prst="mathMultiply">
+            <a:avLst/>
+          </a:prstGeom>
+          <a:solidFill>
+            <a:schemeClr val="accent1"/>
+          </a:solidFill>
+          <a:ln w="25400" cap="flat" cmpd="sng" algn="ctr">
+            <a:solidFill>
+              <a:srgbClr val="000000"/>
+            </a:solidFill>
+            <a:prstDash val="solid"/>
+            <a:round/>
+            <a:headEnd type="none" w="med" len="med"/>
+            <a:tailEnd type="none" w="med" len="med"/>
+          </a:ln>
+          <a:effectLst/>
+          <a:extLst>
+            <a:ext uri="{AF507438-7753-43e0-B8FC-AC1667EBCBE1}">
+              <a14:hiddenEffects xmlns:a14="http://schemas.microsoft.com/office/drawing/2010/main">
+                <a:effectLst>
+                  <a:outerShdw dist="35921" dir="2700000" algn="ctr" rotWithShape="0">
+                    <a:schemeClr val="bg2"/>
+                  </a:outerShdw>
+                </a:effectLst>
+              </a14:hiddenEffects>
+            </a:ext>
+          </a:extLst>
+        </p:spPr>
+        <p:txBody>
+          <a:bodyPr vert="horz" wrap="square" lIns="91440" tIns="45720" rIns="91440" bIns="45720" numCol="1" rtlCol="0" anchor="t" anchorCtr="0" compatLnSpc="1">
+            <a:prstTxWarp prst="textNoShape">
+              <a:avLst/>
+            </a:prstTxWarp>
+          </a:bodyPr>
+          <a:lstStyle/>
+          <a:p>
+            <a:pPr marL="0" marR="0" indent="0" algn="ctr" defTabSz="914400" rtl="0" eaLnBrk="1" fontAlgn="base" latinLnBrk="0" hangingPunct="1">
+              <a:lnSpc>
+                <a:spcPct val="100000"/>
+              </a:lnSpc>
+              <a:spcBef>
+                <a:spcPct val="0"/>
+              </a:spcBef>
+              <a:spcAft>
+                <a:spcPct val="0"/>
+              </a:spcAft>
+              <a:buClrTx/>
+              <a:buSzTx/>
+              <a:buFontTx/>
+              <a:buNone/>
+              <a:tabLst/>
+            </a:pPr>
+            <a:endParaRPr kumimoji="0" lang="en-US" sz="4200" b="0" i="0" u="none" strike="noStrike" cap="none" normalizeH="0" baseline="0" smtClean="0">
+              <a:ln>
+                <a:noFill/>
+              </a:ln>
+              <a:solidFill>
+                <a:srgbClr val="000000"/>
+              </a:solidFill>
+              <a:effectLst/>
+              <a:latin typeface="Gill Sans" charset="0"/>
+              <a:ea typeface="ヒラギノ角ゴ ProN W3" charset="0"/>
+              <a:cs typeface="ヒラギノ角ゴ ProN W3" charset="0"/>
+              <a:sym typeface="Gill Sans" charset="0"/>
+            </a:endParaRPr>
+          </a:p>
+        </p:txBody>
+      </p:sp>
+      <p:sp>
+        <p:nvSpPr>
+          <p:cNvPr id="25" name="Rounded Rectangular Callout 24"/>
           <p:cNvSpPr/>
           <p:nvPr/>
         </p:nvSpPr>
@@ -11584,1275 +13853,6 @@
       </p:sp>
       <p:pic>
         <p:nvPicPr>
-          <p:cNvPr id="21" name="Picture 20" descr="BaconKid.png"/>
-          <p:cNvPicPr>
-            <a:picLocks noChangeAspect="1"/>
-          </p:cNvPicPr>
-          <p:nvPr/>
-        </p:nvPicPr>
-        <p:blipFill>
-          <a:blip r:embed="rId6">
-            <a:extLst>
-              <a:ext uri="{BEBA8EAE-BF5A-486C-A8C5-ECC9F3942E4B}">
-                <a14:imgProps xmlns:a14="http://schemas.microsoft.com/office/drawing/2010/main">
-                  <a14:imgLayer r:embed="rId7">
-                    <a14:imgEffect>
-                      <a14:sharpenSoften amount="50000"/>
-                    </a14:imgEffect>
-                    <a14:imgEffect>
-                      <a14:brightnessContrast contrast="20000"/>
-                    </a14:imgEffect>
-                  </a14:imgLayer>
-                </a14:imgProps>
-              </a:ext>
-              <a:ext uri="{28A0092B-C50C-407E-A947-70E740481C1C}">
-                <a14:useLocalDpi xmlns:a14="http://schemas.microsoft.com/office/drawing/2010/main" val="0"/>
-              </a:ext>
-            </a:extLst>
-          </a:blip>
-          <a:stretch>
-            <a:fillRect/>
-          </a:stretch>
-        </p:blipFill>
-        <p:spPr>
-          <a:xfrm>
-            <a:off x="7570411" y="2683419"/>
-            <a:ext cx="755446" cy="1080553"/>
-          </a:xfrm>
-          <a:prstGeom prst="rect">
-            <a:avLst/>
-          </a:prstGeom>
-        </p:spPr>
-      </p:pic>
-      <p:pic>
-        <p:nvPicPr>
-          <p:cNvPr id="22" name="Picture 21" descr="BaconKid.png"/>
-          <p:cNvPicPr>
-            <a:picLocks noChangeAspect="1"/>
-          </p:cNvPicPr>
-          <p:nvPr/>
-        </p:nvPicPr>
-        <p:blipFill>
-          <a:blip r:embed="rId6">
-            <a:extLst>
-              <a:ext uri="{BEBA8EAE-BF5A-486C-A8C5-ECC9F3942E4B}">
-                <a14:imgProps xmlns:a14="http://schemas.microsoft.com/office/drawing/2010/main">
-                  <a14:imgLayer r:embed="rId7">
-                    <a14:imgEffect>
-                      <a14:sharpenSoften amount="50000"/>
-                    </a14:imgEffect>
-                    <a14:imgEffect>
-                      <a14:brightnessContrast contrast="20000"/>
-                    </a14:imgEffect>
-                  </a14:imgLayer>
-                </a14:imgProps>
-              </a:ext>
-              <a:ext uri="{28A0092B-C50C-407E-A947-70E740481C1C}">
-                <a14:useLocalDpi xmlns:a14="http://schemas.microsoft.com/office/drawing/2010/main" val="0"/>
-              </a:ext>
-            </a:extLst>
-          </a:blip>
-          <a:stretch>
-            <a:fillRect/>
-          </a:stretch>
-        </p:blipFill>
-        <p:spPr>
-          <a:xfrm>
-            <a:off x="7551047" y="4198952"/>
-            <a:ext cx="755446" cy="1080553"/>
-          </a:xfrm>
-          <a:prstGeom prst="rect">
-            <a:avLst/>
-          </a:prstGeom>
-        </p:spPr>
-      </p:pic>
-      <p:pic>
-        <p:nvPicPr>
-          <p:cNvPr id="23" name="Picture 22" descr="cowboy.png"/>
-          <p:cNvPicPr>
-            <a:picLocks noChangeAspect="1"/>
-          </p:cNvPicPr>
-          <p:nvPr/>
-        </p:nvPicPr>
-        <p:blipFill>
-          <a:blip r:embed="rId8" cstate="screen">
-            <a:extLst>
-              <a:ext uri="{28A0092B-C50C-407E-A947-70E740481C1C}">
-                <a14:useLocalDpi xmlns:a14="http://schemas.microsoft.com/office/drawing/2010/main"/>
-              </a:ext>
-            </a:extLst>
-          </a:blip>
-          <a:stretch>
-            <a:fillRect/>
-          </a:stretch>
-        </p:blipFill>
-        <p:spPr>
-          <a:xfrm>
-            <a:off x="7572961" y="879804"/>
-            <a:ext cx="745684" cy="1491368"/>
-          </a:xfrm>
-          <a:prstGeom prst="rect">
-            <a:avLst/>
-          </a:prstGeom>
-        </p:spPr>
-      </p:pic>
-    </p:spTree>
-    <p:extLst>
-      <p:ext uri="{BB962C8B-B14F-4D97-AF65-F5344CB8AC3E}">
-        <p14:creationId xmlns:p14="http://schemas.microsoft.com/office/powerpoint/2010/main" val="371442503"/>
-      </p:ext>
-    </p:extLst>
-  </p:cSld>
-  <p:clrMapOvr>
-    <a:masterClrMapping/>
-  </p:clrMapOvr>
-  <p:transition xmlns:p14="http://schemas.microsoft.com/office/powerpoint/2010/main"/>
-  <p:timing>
-    <p:tnLst>
-      <p:par>
-        <p:cTn xmlns:p14="http://schemas.microsoft.com/office/powerpoint/2010/main" id="1" dur="indefinite" restart="never" nodeType="tmRoot"/>
-      </p:par>
-    </p:tnLst>
-  </p:timing>
-</p:sld>
-</file>
-
-<file path=ppt/slides/slide7.xml><?xml version="1.0" encoding="utf-8"?>
-<p:sld xmlns:a="http://schemas.openxmlformats.org/drawingml/2006/main" xmlns:r="http://schemas.openxmlformats.org/officeDocument/2006/relationships" xmlns:p="http://schemas.openxmlformats.org/presentationml/2006/main">
-  <p:cSld>
-    <p:spTree>
-      <p:nvGrpSpPr>
-        <p:cNvPr id="1" name=""/>
-        <p:cNvGrpSpPr/>
-        <p:nvPr/>
-      </p:nvGrpSpPr>
-      <p:grpSpPr>
-        <a:xfrm>
-          <a:off x="0" y="0"/>
-          <a:ext cx="0" cy="0"/>
-          <a:chOff x="0" y="0"/>
-          <a:chExt cx="0" cy="0"/>
-        </a:xfrm>
-      </p:grpSpPr>
-      <p:pic>
-        <p:nvPicPr>
-          <p:cNvPr id="43" name="Picture 42" descr="santa.png"/>
-          <p:cNvPicPr>
-            <a:picLocks noChangeAspect="1"/>
-          </p:cNvPicPr>
-          <p:nvPr/>
-        </p:nvPicPr>
-        <p:blipFill>
-          <a:blip r:embed="rId3" cstate="screen">
-            <a:extLst>
-              <a:ext uri="{28A0092B-C50C-407E-A947-70E740481C1C}">
-                <a14:useLocalDpi xmlns:a14="http://schemas.microsoft.com/office/drawing/2010/main"/>
-              </a:ext>
-            </a:extLst>
-          </a:blip>
-          <a:stretch>
-            <a:fillRect/>
-          </a:stretch>
-        </p:blipFill>
-        <p:spPr>
-          <a:xfrm>
-            <a:off x="691910" y="1974849"/>
-            <a:ext cx="1482932" cy="2565641"/>
-          </a:xfrm>
-          <a:prstGeom prst="rect">
-            <a:avLst/>
-          </a:prstGeom>
-        </p:spPr>
-      </p:pic>
-      <p:pic>
-        <p:nvPicPr>
-          <p:cNvPr id="27" name="Content Placeholder 6"/>
-          <p:cNvPicPr>
-            <a:picLocks noChangeAspect="1"/>
-          </p:cNvPicPr>
-          <p:nvPr/>
-        </p:nvPicPr>
-        <p:blipFill>
-          <a:blip r:embed="rId4" cstate="screen">
-            <a:duotone>
-              <a:prstClr val="black"/>
-              <a:srgbClr val="37FF00">
-                <a:tint val="45000"/>
-                <a:satMod val="400000"/>
-              </a:srgbClr>
-            </a:duotone>
-            <a:extLst>
-              <a:ext uri="{28A0092B-C50C-407E-A947-70E740481C1C}">
-                <a14:useLocalDpi xmlns:a14="http://schemas.microsoft.com/office/drawing/2010/main"/>
-              </a:ext>
-            </a:extLst>
-          </a:blip>
-          <a:srcRect l="-57666" r="-57666"/>
-          <a:stretch>
-            <a:fillRect/>
-          </a:stretch>
-        </p:blipFill>
-        <p:spPr bwMode="auto">
-          <a:xfrm flipH="1">
-            <a:off x="6372573" y="2598358"/>
-            <a:ext cx="3113299" cy="1445820"/>
-          </a:xfrm>
-          <a:prstGeom prst="rect">
-            <a:avLst/>
-          </a:prstGeom>
-          <a:noFill/>
-          <a:ln>
-            <a:noFill/>
-          </a:ln>
-          <a:effectLst/>
-          <a:extLst>
-            <a:ext uri="{909E8E84-426E-40dd-AFC4-6F175D3DCCD1}">
-              <a14:hiddenFill xmlns:a14="http://schemas.microsoft.com/office/drawing/2010/main">
-                <a:solidFill>
-                  <a:srgbClr val="FFFFFF"/>
-                </a:solidFill>
-              </a14:hiddenFill>
-            </a:ext>
-            <a:ext uri="{91240B29-F687-4f45-9708-019B960494DF}">
-              <a14:hiddenLine xmlns:a14="http://schemas.microsoft.com/office/drawing/2010/main" w="9525">
-                <a:solidFill>
-                  <a:schemeClr val="tx1"/>
-                </a:solidFill>
-                <a:miter lim="800000"/>
-                <a:headEnd/>
-                <a:tailEnd/>
-              </a14:hiddenLine>
-            </a:ext>
-            <a:ext uri="{AF507438-7753-43e0-B8FC-AC1667EBCBE1}">
-              <a14:hiddenEffects xmlns:a14="http://schemas.microsoft.com/office/drawing/2010/main">
-                <a:effectLst>
-                  <a:outerShdw dist="35921" dir="2700000" algn="ctr" rotWithShape="0">
-                    <a:srgbClr val="808080"/>
-                  </a:outerShdw>
-                </a:effectLst>
-              </a14:hiddenEffects>
-            </a:ext>
-          </a:extLst>
-        </p:spPr>
-      </p:pic>
-      <p:pic>
-        <p:nvPicPr>
-          <p:cNvPr id="28" name="Content Placeholder 6"/>
-          <p:cNvPicPr>
-            <a:picLocks noChangeAspect="1"/>
-          </p:cNvPicPr>
-          <p:nvPr/>
-        </p:nvPicPr>
-        <p:blipFill>
-          <a:blip r:embed="rId4" cstate="screen">
-            <a:duotone>
-              <a:prstClr val="black"/>
-              <a:srgbClr val="FF0C00">
-                <a:tint val="45000"/>
-                <a:satMod val="400000"/>
-              </a:srgbClr>
-            </a:duotone>
-            <a:extLst>
-              <a:ext uri="{28A0092B-C50C-407E-A947-70E740481C1C}">
-                <a14:useLocalDpi xmlns:a14="http://schemas.microsoft.com/office/drawing/2010/main"/>
-              </a:ext>
-            </a:extLst>
-          </a:blip>
-          <a:srcRect l="-57666" r="-57666"/>
-          <a:stretch>
-            <a:fillRect/>
-          </a:stretch>
-        </p:blipFill>
-        <p:spPr bwMode="auto">
-          <a:xfrm flipH="1">
-            <a:off x="6372573" y="1087357"/>
-            <a:ext cx="3113299" cy="1445820"/>
-          </a:xfrm>
-          <a:prstGeom prst="rect">
-            <a:avLst/>
-          </a:prstGeom>
-          <a:noFill/>
-          <a:ln>
-            <a:noFill/>
-          </a:ln>
-          <a:effectLst/>
-          <a:extLst/>
-        </p:spPr>
-      </p:pic>
-      <p:pic>
-        <p:nvPicPr>
-          <p:cNvPr id="29" name="Content Placeholder 6"/>
-          <p:cNvPicPr>
-            <a:picLocks noChangeAspect="1"/>
-          </p:cNvPicPr>
-          <p:nvPr/>
-        </p:nvPicPr>
-        <p:blipFill>
-          <a:blip r:embed="rId4" cstate="screen">
-            <a:duotone>
-              <a:prstClr val="black"/>
-              <a:srgbClr val="4C00FF">
-                <a:tint val="45000"/>
-                <a:satMod val="400000"/>
-              </a:srgbClr>
-            </a:duotone>
-            <a:extLst>
-              <a:ext uri="{28A0092B-C50C-407E-A947-70E740481C1C}">
-                <a14:useLocalDpi xmlns:a14="http://schemas.microsoft.com/office/drawing/2010/main"/>
-              </a:ext>
-            </a:extLst>
-          </a:blip>
-          <a:srcRect l="-57666" r="-57666"/>
-          <a:stretch>
-            <a:fillRect/>
-          </a:stretch>
-        </p:blipFill>
-        <p:spPr bwMode="auto">
-          <a:xfrm flipH="1">
-            <a:off x="6372573" y="4109360"/>
-            <a:ext cx="3113299" cy="1445820"/>
-          </a:xfrm>
-          <a:prstGeom prst="rect">
-            <a:avLst/>
-          </a:prstGeom>
-          <a:noFill/>
-          <a:ln>
-            <a:noFill/>
-          </a:ln>
-          <a:effectLst/>
-          <a:extLst>
-            <a:ext uri="{909E8E84-426E-40dd-AFC4-6F175D3DCCD1}">
-              <a14:hiddenFill xmlns:a14="http://schemas.microsoft.com/office/drawing/2010/main">
-                <a:solidFill>
-                  <a:srgbClr val="FFFFFF"/>
-                </a:solidFill>
-              </a14:hiddenFill>
-            </a:ext>
-            <a:ext uri="{91240B29-F687-4f45-9708-019B960494DF}">
-              <a14:hiddenLine xmlns:a14="http://schemas.microsoft.com/office/drawing/2010/main" w="9525">
-                <a:solidFill>
-                  <a:schemeClr val="tx1"/>
-                </a:solidFill>
-                <a:miter lim="800000"/>
-                <a:headEnd/>
-                <a:tailEnd/>
-              </a14:hiddenLine>
-            </a:ext>
-            <a:ext uri="{AF507438-7753-43e0-B8FC-AC1667EBCBE1}">
-              <a14:hiddenEffects xmlns:a14="http://schemas.microsoft.com/office/drawing/2010/main">
-                <a:effectLst>
-                  <a:outerShdw dist="35921" dir="2700000" algn="ctr" rotWithShape="0">
-                    <a:srgbClr val="808080"/>
-                  </a:outerShdw>
-                </a:effectLst>
-              </a14:hiddenEffects>
-            </a:ext>
-          </a:extLst>
-        </p:spPr>
-      </p:pic>
-      <p:grpSp>
-        <p:nvGrpSpPr>
-          <p:cNvPr id="30" name="Group 29"/>
-          <p:cNvGrpSpPr/>
-          <p:nvPr/>
-        </p:nvGrpSpPr>
-        <p:grpSpPr>
-          <a:xfrm flipH="1">
-            <a:off x="4455584" y="1810267"/>
-            <a:ext cx="2755903" cy="3022003"/>
-            <a:chOff x="5582590" y="1894932"/>
-            <a:chExt cx="3429000" cy="3022003"/>
-          </a:xfrm>
-        </p:grpSpPr>
-        <p:cxnSp>
-          <p:nvCxnSpPr>
-            <p:cNvPr id="31" name="Straight Arrow Connector 30"/>
-            <p:cNvCxnSpPr/>
-            <p:nvPr/>
-          </p:nvCxnSpPr>
-          <p:spPr bwMode="auto">
-            <a:xfrm>
-              <a:off x="5582590" y="3405933"/>
-              <a:ext cx="3429000" cy="0"/>
-            </a:xfrm>
-            <a:prstGeom prst="straightConnector1">
-              <a:avLst/>
-            </a:prstGeom>
-            <a:solidFill>
-              <a:schemeClr val="accent1"/>
-            </a:solidFill>
-            <a:ln w="114300" cap="rnd" cmpd="sng" algn="ctr">
-              <a:solidFill>
-                <a:srgbClr val="34812B"/>
-              </a:solidFill>
-              <a:prstDash val="solid"/>
-              <a:round/>
-              <a:headEnd type="none" w="med" len="med"/>
-              <a:tailEnd type="triangle" w="med" len="med"/>
-            </a:ln>
-            <a:effectLst/>
-            <a:extLst>
-              <a:ext uri="{AF507438-7753-43e0-B8FC-AC1667EBCBE1}">
-                <a14:hiddenEffects xmlns:a14="http://schemas.microsoft.com/office/drawing/2010/main">
-                  <a:effectLst>
-                    <a:outerShdw dist="35921" dir="2700000" algn="ctr" rotWithShape="0">
-                      <a:schemeClr val="bg2"/>
-                    </a:outerShdw>
-                  </a:effectLst>
-                </a14:hiddenEffects>
-              </a:ext>
-            </a:extLst>
-          </p:spPr>
-        </p:cxnSp>
-        <p:cxnSp>
-          <p:nvCxnSpPr>
-            <p:cNvPr id="32" name="Straight Arrow Connector 31"/>
-            <p:cNvCxnSpPr/>
-            <p:nvPr/>
-          </p:nvCxnSpPr>
-          <p:spPr bwMode="auto">
-            <a:xfrm>
-              <a:off x="5582590" y="1894932"/>
-              <a:ext cx="3429000" cy="0"/>
-            </a:xfrm>
-            <a:prstGeom prst="straightConnector1">
-              <a:avLst/>
-            </a:prstGeom>
-            <a:solidFill>
-              <a:schemeClr val="accent1"/>
-            </a:solidFill>
-            <a:ln w="114300" cap="rnd" cmpd="sng" algn="ctr">
-              <a:solidFill>
-                <a:srgbClr val="883032"/>
-              </a:solidFill>
-              <a:prstDash val="solid"/>
-              <a:round/>
-              <a:headEnd type="none" w="med" len="med"/>
-              <a:tailEnd type="triangle" w="med" len="med"/>
-            </a:ln>
-            <a:effectLst/>
-            <a:extLst>
-              <a:ext uri="{AF507438-7753-43e0-B8FC-AC1667EBCBE1}">
-                <a14:hiddenEffects xmlns:a14="http://schemas.microsoft.com/office/drawing/2010/main">
-                  <a:effectLst>
-                    <a:outerShdw dist="35921" dir="2700000" algn="ctr" rotWithShape="0">
-                      <a:schemeClr val="bg2"/>
-                    </a:outerShdw>
-                  </a:effectLst>
-                </a14:hiddenEffects>
-              </a:ext>
-            </a:extLst>
-          </p:spPr>
-        </p:cxnSp>
-        <p:cxnSp>
-          <p:nvCxnSpPr>
-            <p:cNvPr id="33" name="Straight Arrow Connector 32"/>
-            <p:cNvCxnSpPr/>
-            <p:nvPr/>
-          </p:nvCxnSpPr>
-          <p:spPr bwMode="auto">
-            <a:xfrm>
-              <a:off x="5582590" y="4916935"/>
-              <a:ext cx="3429000" cy="0"/>
-            </a:xfrm>
-            <a:prstGeom prst="straightConnector1">
-              <a:avLst/>
-            </a:prstGeom>
-            <a:solidFill>
-              <a:schemeClr val="accent1"/>
-            </a:solidFill>
-            <a:ln w="114300" cap="rnd" cmpd="sng" algn="ctr">
-              <a:solidFill>
-                <a:srgbClr val="281F5D"/>
-              </a:solidFill>
-              <a:prstDash val="solid"/>
-              <a:round/>
-              <a:headEnd type="none" w="med" len="med"/>
-              <a:tailEnd type="triangle" w="med" len="med"/>
-            </a:ln>
-            <a:effectLst/>
-            <a:extLst>
-              <a:ext uri="{AF507438-7753-43e0-B8FC-AC1667EBCBE1}">
-                <a14:hiddenEffects xmlns:a14="http://schemas.microsoft.com/office/drawing/2010/main">
-                  <a:effectLst>
-                    <a:outerShdw dist="35921" dir="2700000" algn="ctr" rotWithShape="0">
-                      <a:schemeClr val="bg2"/>
-                    </a:outerShdw>
-                  </a:effectLst>
-                </a14:hiddenEffects>
-              </a:ext>
-            </a:extLst>
-          </p:spPr>
-        </p:cxnSp>
-      </p:grpSp>
-      <p:pic>
-        <p:nvPicPr>
-          <p:cNvPr id="34" name="Picture 33"/>
-          <p:cNvPicPr>
-            <a:picLocks noChangeAspect="1"/>
-          </p:cNvPicPr>
-          <p:nvPr/>
-        </p:nvPicPr>
-        <p:blipFill>
-          <a:blip r:embed="rId5" cstate="screen">
-            <a:extLst>
-              <a:ext uri="{28A0092B-C50C-407E-A947-70E740481C1C}">
-                <a14:useLocalDpi xmlns:a14="http://schemas.microsoft.com/office/drawing/2010/main"/>
-              </a:ext>
-            </a:extLst>
-          </a:blip>
-          <a:stretch>
-            <a:fillRect/>
-          </a:stretch>
-        </p:blipFill>
-        <p:spPr>
-          <a:xfrm>
-            <a:off x="3476711" y="3973457"/>
-            <a:ext cx="957301" cy="1340952"/>
-          </a:xfrm>
-          <a:prstGeom prst="rect">
-            <a:avLst/>
-          </a:prstGeom>
-        </p:spPr>
-      </p:pic>
-      <p:pic>
-        <p:nvPicPr>
-          <p:cNvPr id="35" name="Picture 34"/>
-          <p:cNvPicPr>
-            <a:picLocks noChangeAspect="1"/>
-          </p:cNvPicPr>
-          <p:nvPr/>
-        </p:nvPicPr>
-        <p:blipFill>
-          <a:blip r:embed="rId5" cstate="screen">
-            <a:extLst>
-              <a:ext uri="{28A0092B-C50C-407E-A947-70E740481C1C}">
-                <a14:useLocalDpi xmlns:a14="http://schemas.microsoft.com/office/drawing/2010/main"/>
-              </a:ext>
-            </a:extLst>
-          </a:blip>
-          <a:stretch>
-            <a:fillRect/>
-          </a:stretch>
-        </p:blipFill>
-        <p:spPr>
-          <a:xfrm>
-            <a:off x="3476711" y="2470151"/>
-            <a:ext cx="957301" cy="1340952"/>
-          </a:xfrm>
-          <a:prstGeom prst="rect">
-            <a:avLst/>
-          </a:prstGeom>
-        </p:spPr>
-      </p:pic>
-      <p:pic>
-        <p:nvPicPr>
-          <p:cNvPr id="39" name="Picture 38"/>
-          <p:cNvPicPr>
-            <a:picLocks noChangeAspect="1"/>
-          </p:cNvPicPr>
-          <p:nvPr/>
-        </p:nvPicPr>
-        <p:blipFill>
-          <a:blip r:embed="rId5" cstate="screen">
-            <a:extLst>
-              <a:ext uri="{28A0092B-C50C-407E-A947-70E740481C1C}">
-                <a14:useLocalDpi xmlns:a14="http://schemas.microsoft.com/office/drawing/2010/main"/>
-              </a:ext>
-            </a:extLst>
-          </a:blip>
-          <a:stretch>
-            <a:fillRect/>
-          </a:stretch>
-        </p:blipFill>
-        <p:spPr>
-          <a:xfrm>
-            <a:off x="3476711" y="970847"/>
-            <a:ext cx="957301" cy="1340952"/>
-          </a:xfrm>
-          <a:prstGeom prst="rect">
-            <a:avLst/>
-          </a:prstGeom>
-        </p:spPr>
-      </p:pic>
-      <p:sp>
-        <p:nvSpPr>
-          <p:cNvPr id="49" name="Rounded Rectangular Callout 48"/>
-          <p:cNvSpPr/>
-          <p:nvPr/>
-        </p:nvSpPr>
-        <p:spPr bwMode="auto">
-          <a:xfrm>
-            <a:off x="4480986" y="448727"/>
-            <a:ext cx="800103" cy="1219200"/>
-          </a:xfrm>
-          <a:prstGeom prst="wedgeRoundRectCallout">
-            <a:avLst>
-              <a:gd name="adj1" fmla="val -76788"/>
-              <a:gd name="adj2" fmla="val 29727"/>
-              <a:gd name="adj3" fmla="val 16667"/>
-            </a:avLst>
-          </a:prstGeom>
-          <a:solidFill>
-            <a:schemeClr val="bg1"/>
-          </a:solidFill>
-          <a:ln w="25400" cap="flat" cmpd="sng" algn="ctr">
-            <a:solidFill>
-              <a:srgbClr val="000000"/>
-            </a:solidFill>
-            <a:prstDash val="solid"/>
-            <a:round/>
-            <a:headEnd type="none" w="med" len="med"/>
-            <a:tailEnd type="none" w="med" len="med"/>
-          </a:ln>
-          <a:effectLst/>
-          <a:extLst/>
-        </p:spPr>
-        <p:txBody>
-          <a:bodyPr vert="horz" wrap="square" lIns="91440" tIns="45720" rIns="91440" bIns="45720" numCol="1" rtlCol="0" anchor="t" anchorCtr="0" compatLnSpc="1">
-            <a:prstTxWarp prst="textNoShape">
-              <a:avLst/>
-            </a:prstTxWarp>
-          </a:bodyPr>
-          <a:lstStyle/>
-          <a:p>
-            <a:pPr marL="0" marR="0" indent="0" algn="ctr" defTabSz="914400" rtl="0" eaLnBrk="1" fontAlgn="base" latinLnBrk="0" hangingPunct="1">
-              <a:lnSpc>
-                <a:spcPct val="100000"/>
-              </a:lnSpc>
-              <a:spcBef>
-                <a:spcPct val="0"/>
-              </a:spcBef>
-              <a:spcAft>
-                <a:spcPct val="0"/>
-              </a:spcAft>
-              <a:buClrTx/>
-              <a:buSzTx/>
-              <a:buFontTx/>
-              <a:buNone/>
-              <a:tabLst/>
-            </a:pPr>
-            <a:endParaRPr kumimoji="0" lang="en-US" sz="4200" b="0" i="0" u="none" strike="noStrike" cap="none" normalizeH="0" baseline="0" smtClean="0">
-              <a:ln>
-                <a:noFill/>
-              </a:ln>
-              <a:solidFill>
-                <a:srgbClr val="000000"/>
-              </a:solidFill>
-              <a:effectLst/>
-              <a:latin typeface="Gill Sans" charset="0"/>
-              <a:ea typeface="ヒラギノ角ゴ ProN W3" charset="0"/>
-              <a:cs typeface="ヒラギノ角ゴ ProN W3" charset="0"/>
-              <a:sym typeface="Gill Sans" charset="0"/>
-            </a:endParaRPr>
-          </a:p>
-        </p:txBody>
-      </p:sp>
-      <p:pic>
-        <p:nvPicPr>
-          <p:cNvPr id="50" name="Picture 49" descr="cowboy.png"/>
-          <p:cNvPicPr>
-            <a:picLocks noChangeAspect="1"/>
-          </p:cNvPicPr>
-          <p:nvPr/>
-        </p:nvPicPr>
-        <p:blipFill>
-          <a:blip r:embed="rId6" cstate="screen">
-            <a:extLst>
-              <a:ext uri="{28A0092B-C50C-407E-A947-70E740481C1C}">
-                <a14:useLocalDpi xmlns:a14="http://schemas.microsoft.com/office/drawing/2010/main"/>
-              </a:ext>
-            </a:extLst>
-          </a:blip>
-          <a:stretch>
-            <a:fillRect/>
-          </a:stretch>
-        </p:blipFill>
-        <p:spPr>
-          <a:xfrm>
-            <a:off x="4567504" y="439967"/>
-            <a:ext cx="629756" cy="1259511"/>
-          </a:xfrm>
-          <a:prstGeom prst="rect">
-            <a:avLst/>
-          </a:prstGeom>
-        </p:spPr>
-      </p:pic>
-      <p:sp>
-        <p:nvSpPr>
-          <p:cNvPr id="56" name="Rounded Rectangular Callout 55"/>
-          <p:cNvSpPr/>
-          <p:nvPr/>
-        </p:nvSpPr>
-        <p:spPr bwMode="auto">
-          <a:xfrm>
-            <a:off x="4459217" y="3484631"/>
-            <a:ext cx="800103" cy="1219200"/>
-          </a:xfrm>
-          <a:prstGeom prst="wedgeRoundRectCallout">
-            <a:avLst>
-              <a:gd name="adj1" fmla="val -73765"/>
-              <a:gd name="adj2" fmla="val 31710"/>
-              <a:gd name="adj3" fmla="val 16667"/>
-            </a:avLst>
-          </a:prstGeom>
-          <a:solidFill>
-            <a:schemeClr val="bg1"/>
-          </a:solidFill>
-          <a:ln w="25400" cap="flat" cmpd="sng" algn="ctr">
-            <a:solidFill>
-              <a:srgbClr val="000000"/>
-            </a:solidFill>
-            <a:prstDash val="solid"/>
-            <a:round/>
-            <a:headEnd type="none" w="med" len="med"/>
-            <a:tailEnd type="none" w="med" len="med"/>
-          </a:ln>
-          <a:effectLst/>
-          <a:extLst/>
-        </p:spPr>
-        <p:txBody>
-          <a:bodyPr vert="horz" wrap="square" lIns="91440" tIns="45720" rIns="91440" bIns="45720" numCol="1" rtlCol="0" anchor="t" anchorCtr="0" compatLnSpc="1">
-            <a:prstTxWarp prst="textNoShape">
-              <a:avLst/>
-            </a:prstTxWarp>
-          </a:bodyPr>
-          <a:lstStyle/>
-          <a:p>
-            <a:pPr marL="0" marR="0" indent="0" algn="ctr" defTabSz="914400" rtl="0" eaLnBrk="1" fontAlgn="base" latinLnBrk="0" hangingPunct="1">
-              <a:lnSpc>
-                <a:spcPct val="100000"/>
-              </a:lnSpc>
-              <a:spcBef>
-                <a:spcPct val="0"/>
-              </a:spcBef>
-              <a:spcAft>
-                <a:spcPct val="0"/>
-              </a:spcAft>
-              <a:buClrTx/>
-              <a:buSzTx/>
-              <a:buFontTx/>
-              <a:buNone/>
-              <a:tabLst/>
-            </a:pPr>
-            <a:endParaRPr kumimoji="0" lang="en-US" sz="4200" b="0" i="0" u="none" strike="noStrike" cap="none" normalizeH="0" baseline="0" smtClean="0">
-              <a:ln>
-                <a:noFill/>
-              </a:ln>
-              <a:solidFill>
-                <a:srgbClr val="000000"/>
-              </a:solidFill>
-              <a:effectLst/>
-              <a:latin typeface="Gill Sans" charset="0"/>
-              <a:ea typeface="ヒラギノ角ゴ ProN W3" charset="0"/>
-              <a:cs typeface="ヒラギノ角ゴ ProN W3" charset="0"/>
-              <a:sym typeface="Gill Sans" charset="0"/>
-            </a:endParaRPr>
-          </a:p>
-        </p:txBody>
-      </p:sp>
-      <p:pic>
-        <p:nvPicPr>
-          <p:cNvPr id="57" name="Picture 56" descr="BaconKid.png"/>
-          <p:cNvPicPr>
-            <a:picLocks noChangeAspect="1"/>
-          </p:cNvPicPr>
-          <p:nvPr/>
-        </p:nvPicPr>
-        <p:blipFill>
-          <a:blip r:embed="rId7">
-            <a:extLst>
-              <a:ext uri="{BEBA8EAE-BF5A-486C-A8C5-ECC9F3942E4B}">
-                <a14:imgProps xmlns:a14="http://schemas.microsoft.com/office/drawing/2010/main">
-                  <a14:imgLayer r:embed="rId8">
-                    <a14:imgEffect>
-                      <a14:sharpenSoften amount="50000"/>
-                    </a14:imgEffect>
-                    <a14:imgEffect>
-                      <a14:brightnessContrast bright="20000"/>
-                    </a14:imgEffect>
-                  </a14:imgLayer>
-                </a14:imgProps>
-              </a:ext>
-              <a:ext uri="{28A0092B-C50C-407E-A947-70E740481C1C}">
-                <a14:useLocalDpi xmlns:a14="http://schemas.microsoft.com/office/drawing/2010/main" val="0"/>
-              </a:ext>
-            </a:extLst>
-          </a:blip>
-          <a:stretch>
-            <a:fillRect/>
-          </a:stretch>
-        </p:blipFill>
-        <p:spPr>
-          <a:xfrm>
-            <a:off x="4500710" y="3587275"/>
-            <a:ext cx="715462" cy="1023362"/>
-          </a:xfrm>
-          <a:prstGeom prst="rect">
-            <a:avLst/>
-          </a:prstGeom>
-        </p:spPr>
-      </p:pic>
-      <p:sp>
-        <p:nvSpPr>
-          <p:cNvPr id="22" name="Multiply 21"/>
-          <p:cNvSpPr/>
-          <p:nvPr/>
-        </p:nvSpPr>
-        <p:spPr bwMode="auto">
-          <a:xfrm>
-            <a:off x="4434113" y="3635833"/>
-            <a:ext cx="846667" cy="846667"/>
-          </a:xfrm>
-          <a:prstGeom prst="mathMultiply">
-            <a:avLst/>
-          </a:prstGeom>
-          <a:solidFill>
-            <a:schemeClr val="accent1"/>
-          </a:solidFill>
-          <a:ln w="25400" cap="flat" cmpd="sng" algn="ctr">
-            <a:solidFill>
-              <a:srgbClr val="000000"/>
-            </a:solidFill>
-            <a:prstDash val="solid"/>
-            <a:round/>
-            <a:headEnd type="none" w="med" len="med"/>
-            <a:tailEnd type="none" w="med" len="med"/>
-          </a:ln>
-          <a:effectLst/>
-          <a:extLst>
-            <a:ext uri="{AF507438-7753-43e0-B8FC-AC1667EBCBE1}">
-              <a14:hiddenEffects xmlns:a14="http://schemas.microsoft.com/office/drawing/2010/main">
-                <a:effectLst>
-                  <a:outerShdw dist="35921" dir="2700000" algn="ctr" rotWithShape="0">
-                    <a:schemeClr val="bg2"/>
-                  </a:outerShdw>
-                </a:effectLst>
-              </a14:hiddenEffects>
-            </a:ext>
-          </a:extLst>
-        </p:spPr>
-        <p:txBody>
-          <a:bodyPr vert="horz" wrap="square" lIns="91440" tIns="45720" rIns="91440" bIns="45720" numCol="1" rtlCol="0" anchor="t" anchorCtr="0" compatLnSpc="1">
-            <a:prstTxWarp prst="textNoShape">
-              <a:avLst/>
-            </a:prstTxWarp>
-          </a:bodyPr>
-          <a:lstStyle/>
-          <a:p>
-            <a:pPr marL="0" marR="0" indent="0" algn="ctr" defTabSz="914400" rtl="0" eaLnBrk="1" fontAlgn="base" latinLnBrk="0" hangingPunct="1">
-              <a:lnSpc>
-                <a:spcPct val="100000"/>
-              </a:lnSpc>
-              <a:spcBef>
-                <a:spcPct val="0"/>
-              </a:spcBef>
-              <a:spcAft>
-                <a:spcPct val="0"/>
-              </a:spcAft>
-              <a:buClrTx/>
-              <a:buSzTx/>
-              <a:buFontTx/>
-              <a:buNone/>
-              <a:tabLst/>
-            </a:pPr>
-            <a:endParaRPr kumimoji="0" lang="en-US" sz="4200" b="0" i="0" u="none" strike="noStrike" cap="none" normalizeH="0" baseline="0" smtClean="0">
-              <a:ln>
-                <a:noFill/>
-              </a:ln>
-              <a:solidFill>
-                <a:srgbClr val="000000"/>
-              </a:solidFill>
-              <a:effectLst/>
-              <a:latin typeface="Gill Sans" charset="0"/>
-              <a:ea typeface="ヒラギノ角ゴ ProN W3" charset="0"/>
-              <a:cs typeface="ヒラギノ角ゴ ProN W3" charset="0"/>
-              <a:sym typeface="Gill Sans" charset="0"/>
-            </a:endParaRPr>
-          </a:p>
-        </p:txBody>
-      </p:sp>
-      <p:cxnSp>
-        <p:nvCxnSpPr>
-          <p:cNvPr id="23" name="Straight Arrow Connector 22"/>
-          <p:cNvCxnSpPr/>
-          <p:nvPr/>
-        </p:nvCxnSpPr>
-        <p:spPr bwMode="auto">
-          <a:xfrm>
-            <a:off x="4969933" y="1820333"/>
-            <a:ext cx="2226734" cy="997857"/>
-          </a:xfrm>
-          <a:prstGeom prst="straightConnector1">
-            <a:avLst/>
-          </a:prstGeom>
-          <a:solidFill>
-            <a:schemeClr val="accent1"/>
-          </a:solidFill>
-          <a:ln w="76200" cap="rnd" cmpd="sng" algn="ctr">
-            <a:solidFill>
-              <a:srgbClr val="883032"/>
-            </a:solidFill>
-            <a:prstDash val="sysDash"/>
-            <a:round/>
-            <a:headEnd type="none" w="med" len="med"/>
-            <a:tailEnd type="triangle" w="med" len="med"/>
-          </a:ln>
-          <a:effectLst/>
-          <a:extLst>
-            <a:ext uri="{AF507438-7753-43e0-B8FC-AC1667EBCBE1}">
-              <a14:hiddenEffects xmlns:a14="http://schemas.microsoft.com/office/drawing/2010/main">
-                <a:effectLst>
-                  <a:outerShdw dist="35921" dir="2700000" algn="ctr" rotWithShape="0">
-                    <a:schemeClr val="bg2"/>
-                  </a:outerShdw>
-                </a:effectLst>
-              </a14:hiddenEffects>
-            </a:ext>
-          </a:extLst>
-        </p:spPr>
-      </p:cxnSp>
-      <p:cxnSp>
-        <p:nvCxnSpPr>
-          <p:cNvPr id="24" name="Straight Arrow Connector 23"/>
-          <p:cNvCxnSpPr/>
-          <p:nvPr/>
-        </p:nvCxnSpPr>
-        <p:spPr bwMode="auto">
-          <a:xfrm>
-            <a:off x="4961467" y="1828800"/>
-            <a:ext cx="2247295" cy="2452914"/>
-          </a:xfrm>
-          <a:prstGeom prst="straightConnector1">
-            <a:avLst/>
-          </a:prstGeom>
-          <a:solidFill>
-            <a:schemeClr val="accent1"/>
-          </a:solidFill>
-          <a:ln w="76200" cap="rnd" cmpd="sng" algn="ctr">
-            <a:solidFill>
-              <a:srgbClr val="883032"/>
-            </a:solidFill>
-            <a:prstDash val="sysDash"/>
-            <a:round/>
-            <a:headEnd type="none" w="med" len="med"/>
-            <a:tailEnd type="triangle" w="med" len="med"/>
-          </a:ln>
-          <a:effectLst/>
-          <a:extLst>
-            <a:ext uri="{AF507438-7753-43e0-B8FC-AC1667EBCBE1}">
-              <a14:hiddenEffects xmlns:a14="http://schemas.microsoft.com/office/drawing/2010/main">
-                <a:effectLst>
-                  <a:outerShdw dist="35921" dir="2700000" algn="ctr" rotWithShape="0">
-                    <a:schemeClr val="bg2"/>
-                  </a:outerShdw>
-                </a:effectLst>
-              </a14:hiddenEffects>
-            </a:ext>
-          </a:extLst>
-        </p:spPr>
-      </p:cxnSp>
-      <p:sp>
-        <p:nvSpPr>
-          <p:cNvPr id="51" name="Rounded Rectangular Callout 50"/>
-          <p:cNvSpPr/>
-          <p:nvPr/>
-        </p:nvSpPr>
-        <p:spPr bwMode="auto">
-          <a:xfrm>
-            <a:off x="4464054" y="1989659"/>
-            <a:ext cx="800103" cy="1219200"/>
-          </a:xfrm>
-          <a:prstGeom prst="wedgeRoundRectCallout">
-            <a:avLst>
-              <a:gd name="adj1" fmla="val -73765"/>
-              <a:gd name="adj2" fmla="val 31710"/>
-              <a:gd name="adj3" fmla="val 16667"/>
-            </a:avLst>
-          </a:prstGeom>
-          <a:solidFill>
-            <a:schemeClr val="bg1"/>
-          </a:solidFill>
-          <a:ln w="25400" cap="flat" cmpd="sng" algn="ctr">
-            <a:solidFill>
-              <a:srgbClr val="000000"/>
-            </a:solidFill>
-            <a:prstDash val="solid"/>
-            <a:round/>
-            <a:headEnd type="none" w="med" len="med"/>
-            <a:tailEnd type="none" w="med" len="med"/>
-          </a:ln>
-          <a:effectLst/>
-          <a:extLst/>
-        </p:spPr>
-        <p:txBody>
-          <a:bodyPr vert="horz" wrap="square" lIns="91440" tIns="45720" rIns="91440" bIns="45720" numCol="1" rtlCol="0" anchor="t" anchorCtr="0" compatLnSpc="1">
-            <a:prstTxWarp prst="textNoShape">
-              <a:avLst/>
-            </a:prstTxWarp>
-          </a:bodyPr>
-          <a:lstStyle/>
-          <a:p>
-            <a:pPr marL="0" marR="0" indent="0" algn="ctr" defTabSz="914400" rtl="0" eaLnBrk="1" fontAlgn="base" latinLnBrk="0" hangingPunct="1">
-              <a:lnSpc>
-                <a:spcPct val="100000"/>
-              </a:lnSpc>
-              <a:spcBef>
-                <a:spcPct val="0"/>
-              </a:spcBef>
-              <a:spcAft>
-                <a:spcPct val="0"/>
-              </a:spcAft>
-              <a:buClrTx/>
-              <a:buSzTx/>
-              <a:buFontTx/>
-              <a:buNone/>
-              <a:tabLst/>
-            </a:pPr>
-            <a:endParaRPr kumimoji="0" lang="en-US" sz="4200" b="0" i="0" u="none" strike="noStrike" cap="none" normalizeH="0" baseline="0" smtClean="0">
-              <a:ln>
-                <a:noFill/>
-              </a:ln>
-              <a:solidFill>
-                <a:srgbClr val="000000"/>
-              </a:solidFill>
-              <a:effectLst/>
-              <a:latin typeface="Gill Sans" charset="0"/>
-              <a:ea typeface="ヒラギノ角ゴ ProN W3" charset="0"/>
-              <a:cs typeface="ヒラギノ角ゴ ProN W3" charset="0"/>
-              <a:sym typeface="Gill Sans" charset="0"/>
-            </a:endParaRPr>
-          </a:p>
-        </p:txBody>
-      </p:sp>
-      <p:pic>
-        <p:nvPicPr>
-          <p:cNvPr id="55" name="Picture 54" descr="BaconKid.png"/>
-          <p:cNvPicPr>
-            <a:picLocks noChangeAspect="1"/>
-          </p:cNvPicPr>
-          <p:nvPr/>
-        </p:nvPicPr>
-        <p:blipFill>
-          <a:blip r:embed="rId7">
-            <a:extLst>
-              <a:ext uri="{BEBA8EAE-BF5A-486C-A8C5-ECC9F3942E4B}">
-                <a14:imgProps xmlns:a14="http://schemas.microsoft.com/office/drawing/2010/main">
-                  <a14:imgLayer r:embed="rId8">
-                    <a14:imgEffect>
-                      <a14:sharpenSoften amount="50000"/>
-                    </a14:imgEffect>
-                    <a14:imgEffect>
-                      <a14:brightnessContrast bright="20000"/>
-                    </a14:imgEffect>
-                  </a14:imgLayer>
-                </a14:imgProps>
-              </a:ext>
-              <a:ext uri="{28A0092B-C50C-407E-A947-70E740481C1C}">
-                <a14:useLocalDpi xmlns:a14="http://schemas.microsoft.com/office/drawing/2010/main" val="0"/>
-              </a:ext>
-            </a:extLst>
-          </a:blip>
-          <a:stretch>
-            <a:fillRect/>
-          </a:stretch>
-        </p:blipFill>
-        <p:spPr>
-          <a:xfrm>
-            <a:off x="4505547" y="2092303"/>
-            <a:ext cx="715462" cy="1023362"/>
-          </a:xfrm>
-          <a:prstGeom prst="rect">
-            <a:avLst/>
-          </a:prstGeom>
-        </p:spPr>
-      </p:pic>
-      <p:sp>
-        <p:nvSpPr>
-          <p:cNvPr id="2" name="Multiply 1"/>
-          <p:cNvSpPr/>
-          <p:nvPr/>
-        </p:nvSpPr>
-        <p:spPr bwMode="auto">
-          <a:xfrm>
-            <a:off x="4451047" y="2128765"/>
-            <a:ext cx="846667" cy="846667"/>
-          </a:xfrm>
-          <a:prstGeom prst="mathMultiply">
-            <a:avLst/>
-          </a:prstGeom>
-          <a:solidFill>
-            <a:schemeClr val="accent1"/>
-          </a:solidFill>
-          <a:ln w="25400" cap="flat" cmpd="sng" algn="ctr">
-            <a:solidFill>
-              <a:srgbClr val="000000"/>
-            </a:solidFill>
-            <a:prstDash val="solid"/>
-            <a:round/>
-            <a:headEnd type="none" w="med" len="med"/>
-            <a:tailEnd type="none" w="med" len="med"/>
-          </a:ln>
-          <a:effectLst/>
-          <a:extLst>
-            <a:ext uri="{AF507438-7753-43e0-B8FC-AC1667EBCBE1}">
-              <a14:hiddenEffects xmlns:a14="http://schemas.microsoft.com/office/drawing/2010/main">
-                <a:effectLst>
-                  <a:outerShdw dist="35921" dir="2700000" algn="ctr" rotWithShape="0">
-                    <a:schemeClr val="bg2"/>
-                  </a:outerShdw>
-                </a:effectLst>
-              </a14:hiddenEffects>
-            </a:ext>
-          </a:extLst>
-        </p:spPr>
-        <p:txBody>
-          <a:bodyPr vert="horz" wrap="square" lIns="91440" tIns="45720" rIns="91440" bIns="45720" numCol="1" rtlCol="0" anchor="t" anchorCtr="0" compatLnSpc="1">
-            <a:prstTxWarp prst="textNoShape">
-              <a:avLst/>
-            </a:prstTxWarp>
-          </a:bodyPr>
-          <a:lstStyle/>
-          <a:p>
-            <a:pPr marL="0" marR="0" indent="0" algn="ctr" defTabSz="914400" rtl="0" eaLnBrk="1" fontAlgn="base" latinLnBrk="0" hangingPunct="1">
-              <a:lnSpc>
-                <a:spcPct val="100000"/>
-              </a:lnSpc>
-              <a:spcBef>
-                <a:spcPct val="0"/>
-              </a:spcBef>
-              <a:spcAft>
-                <a:spcPct val="0"/>
-              </a:spcAft>
-              <a:buClrTx/>
-              <a:buSzTx/>
-              <a:buFontTx/>
-              <a:buNone/>
-              <a:tabLst/>
-            </a:pPr>
-            <a:endParaRPr kumimoji="0" lang="en-US" sz="4200" b="0" i="0" u="none" strike="noStrike" cap="none" normalizeH="0" baseline="0" smtClean="0">
-              <a:ln>
-                <a:noFill/>
-              </a:ln>
-              <a:solidFill>
-                <a:srgbClr val="000000"/>
-              </a:solidFill>
-              <a:effectLst/>
-              <a:latin typeface="Gill Sans" charset="0"/>
-              <a:ea typeface="ヒラギノ角ゴ ProN W3" charset="0"/>
-              <a:cs typeface="ヒラギノ角ゴ ProN W3" charset="0"/>
-              <a:sym typeface="Gill Sans" charset="0"/>
-            </a:endParaRPr>
-          </a:p>
-        </p:txBody>
-      </p:sp>
-      <p:sp>
-        <p:nvSpPr>
-          <p:cNvPr id="25" name="Rounded Rectangular Callout 24"/>
-          <p:cNvSpPr/>
-          <p:nvPr/>
-        </p:nvSpPr>
-        <p:spPr bwMode="auto">
-          <a:xfrm>
-            <a:off x="254002" y="1015996"/>
-            <a:ext cx="1388534" cy="1083733"/>
-          </a:xfrm>
-          <a:prstGeom prst="wedgeRoundRectCallout">
-            <a:avLst>
-              <a:gd name="adj1" fmla="val -6034"/>
-              <a:gd name="adj2" fmla="val 87930"/>
-              <a:gd name="adj3" fmla="val 16667"/>
-            </a:avLst>
-          </a:prstGeom>
-          <a:solidFill>
-            <a:schemeClr val="bg1"/>
-          </a:solidFill>
-          <a:ln w="25400" cap="flat" cmpd="sng" algn="ctr">
-            <a:solidFill>
-              <a:srgbClr val="000000"/>
-            </a:solidFill>
-            <a:prstDash val="solid"/>
-            <a:round/>
-            <a:headEnd type="none" w="med" len="med"/>
-            <a:tailEnd type="none" w="med" len="med"/>
-          </a:ln>
-          <a:effectLst/>
-          <a:extLst/>
-        </p:spPr>
-        <p:txBody>
-          <a:bodyPr vert="horz" wrap="square" lIns="91440" tIns="45720" rIns="91440" bIns="45720" numCol="1" rtlCol="0" anchor="t" anchorCtr="0" compatLnSpc="1">
-            <a:prstTxWarp prst="textNoShape">
-              <a:avLst/>
-            </a:prstTxWarp>
-          </a:bodyPr>
-          <a:lstStyle/>
-          <a:p>
-            <a:pPr marL="0" marR="0" indent="0" algn="ctr" defTabSz="914400" rtl="0" eaLnBrk="1" fontAlgn="base" latinLnBrk="0" hangingPunct="1">
-              <a:lnSpc>
-                <a:spcPct val="100000"/>
-              </a:lnSpc>
-              <a:spcBef>
-                <a:spcPct val="0"/>
-              </a:spcBef>
-              <a:spcAft>
-                <a:spcPct val="0"/>
-              </a:spcAft>
-              <a:buClrTx/>
-              <a:buSzTx/>
-              <a:buFontTx/>
-              <a:buNone/>
-              <a:tabLst/>
-            </a:pPr>
-            <a:r>
-              <a:rPr kumimoji="0" lang="en-US" sz="2000" b="0" i="0" u="none" strike="noStrike" cap="none" normalizeH="0" baseline="0" dirty="0" smtClean="0">
-                <a:ln>
-                  <a:noFill/>
-                </a:ln>
-                <a:solidFill>
-                  <a:srgbClr val="000000"/>
-                </a:solidFill>
-                <a:effectLst/>
-                <a:latin typeface="Franklin Gothic Medium"/>
-                <a:ea typeface="ヒラギノ角ゴ ProN W3" charset="0"/>
-                <a:cs typeface="Franklin Gothic Medium"/>
-                <a:sym typeface="Gill Sans" charset="0"/>
-              </a:rPr>
-              <a:t>what did I get for</a:t>
-            </a:r>
-            <a:r>
-              <a:rPr kumimoji="0" lang="en-US" sz="2000" b="0" i="0" u="none" strike="noStrike" cap="none" normalizeH="0" dirty="0" smtClean="0">
-                <a:ln>
-                  <a:noFill/>
-                </a:ln>
-                <a:solidFill>
-                  <a:srgbClr val="000000"/>
-                </a:solidFill>
-                <a:effectLst/>
-                <a:latin typeface="Franklin Gothic Medium"/>
-                <a:ea typeface="ヒラギノ角ゴ ProN W3" charset="0"/>
-                <a:cs typeface="Franklin Gothic Medium"/>
-                <a:sym typeface="Gill Sans" charset="0"/>
-              </a:rPr>
-              <a:t> Casey?</a:t>
-            </a:r>
-            <a:endParaRPr kumimoji="0" lang="en-US" sz="2000" b="0" i="0" u="none" strike="noStrike" cap="none" normalizeH="0" baseline="0" dirty="0" smtClean="0">
-              <a:ln>
-                <a:noFill/>
-              </a:ln>
-              <a:solidFill>
-                <a:srgbClr val="000000"/>
-              </a:solidFill>
-              <a:effectLst/>
-              <a:latin typeface="Franklin Gothic Medium"/>
-              <a:ea typeface="ヒラギノ角ゴ ProN W3" charset="0"/>
-              <a:cs typeface="Franklin Gothic Medium"/>
-              <a:sym typeface="Gill Sans" charset="0"/>
-            </a:endParaRPr>
-          </a:p>
-        </p:txBody>
-      </p:sp>
-      <p:pic>
-        <p:nvPicPr>
           <p:cNvPr id="26" name="Picture 25" descr="BaconKid.png"/>
           <p:cNvPicPr>
             <a:picLocks noChangeAspect="1"/>
@@ -13180,6 +14180,36 @@
               <a:cs typeface="ヒラギノ角ゴ ProN W3" charset="0"/>
               <a:sym typeface="Gill Sans" charset="0"/>
             </a:endParaRPr>
+          </a:p>
+        </p:txBody>
+      </p:sp>
+      <p:sp>
+        <p:nvSpPr>
+          <p:cNvPr id="3" name="TextBox 2"/>
+          <p:cNvSpPr txBox="1"/>
+          <p:nvPr/>
+        </p:nvSpPr>
+        <p:spPr>
+          <a:xfrm>
+            <a:off x="5520958" y="3689048"/>
+            <a:ext cx="1554755" cy="523220"/>
+          </a:xfrm>
+          <a:prstGeom prst="rect">
+            <a:avLst/>
+          </a:prstGeom>
+          <a:noFill/>
+        </p:spPr>
+        <p:txBody>
+          <a:bodyPr wrap="square" rtlCol="0">
+            <a:spAutoFit/>
+          </a:bodyPr>
+          <a:lstStyle/>
+          <a:p>
+            <a:r>
+              <a:rPr lang="en-US" sz="2800" dirty="0" smtClean="0"/>
+              <a:t>repair</a:t>
+            </a:r>
+            <a:endParaRPr lang="en-US" sz="2800" dirty="0"/>
           </a:p>
         </p:txBody>
       </p:sp>
